--- a/Unit6/GuidedCapstone/slide_deck/Big_Mountain_Resort_Presentation.pptx
+++ b/Unit6/GuidedCapstone/slide_deck/Big_Mountain_Resort_Presentation.pptx
@@ -10,8 +10,9 @@
     <p:sldId id="258" r:id="rId4"/>
     <p:sldId id="259" r:id="rId5"/>
     <p:sldId id="260" r:id="rId6"/>
-    <p:sldId id="261" r:id="rId7"/>
-    <p:sldId id="262" r:id="rId8"/>
+    <p:sldId id="263" r:id="rId7"/>
+    <p:sldId id="261" r:id="rId8"/>
+    <p:sldId id="262" r:id="rId9"/>
   </p:sldIdLst>
   <p:sldSz cx="12192000" cy="6858000"/>
   <p:notesSz cx="6858000" cy="9144000"/>
@@ -110,3233 +111,12 @@
       </a:defRPr>
     </a:lvl9pPr>
   </p:defaultTextStyle>
+  <p:extLst>
+    <p:ext uri="{EFAFB233-063F-42B5-8137-9DF3F51BA10A}">
+      <p15:sldGuideLst xmlns:p15="http://schemas.microsoft.com/office/powerpoint/2012/main"/>
+    </p:ext>
+  </p:extLst>
 </p:presentation>
-</file>
-
-<file path=ppt/diagrams/colors1.xml><?xml version="1.0" encoding="utf-8"?>
-<dgm:colorsDef xmlns:dgm="http://schemas.openxmlformats.org/drawingml/2006/diagram" xmlns:a="http://schemas.openxmlformats.org/drawingml/2006/main" uniqueId="urn:microsoft.com/office/officeart/2018/5/colors/Iconchunking_neutralicon_colorful1">
-  <dgm:title val=""/>
-  <dgm:desc val=""/>
-  <dgm:catLst>
-    <dgm:cat type="colorful" pri="10100"/>
-  </dgm:catLst>
-  <dgm:styleLbl name="node0">
-    <dgm:fillClrLst meth="repeat">
-      <a:schemeClr val="accent1"/>
-    </dgm:fillClrLst>
-    <dgm:linClrLst meth="repeat">
-      <a:schemeClr val="lt1"/>
-    </dgm:linClrLst>
-    <dgm:effectClrLst/>
-    <dgm:txLinClrLst/>
-    <dgm:txFillClrLst/>
-    <dgm:txEffectClrLst/>
-  </dgm:styleLbl>
-  <dgm:styleLbl name="node1">
-    <dgm:fillClrLst meth="repeat">
-      <a:schemeClr val="bg1"/>
-    </dgm:fillClrLst>
-    <dgm:linClrLst meth="repeat">
-      <a:schemeClr val="lt1">
-        <a:alpha val="0"/>
-      </a:schemeClr>
-    </dgm:linClrLst>
-    <dgm:effectClrLst/>
-    <dgm:txLinClrLst/>
-    <dgm:txFillClrLst meth="repeat">
-      <a:schemeClr val="dk1"/>
-    </dgm:txFillClrLst>
-    <dgm:txEffectClrLst/>
-  </dgm:styleLbl>
-  <dgm:styleLbl name="alignNode1">
-    <dgm:fillClrLst meth="repeat">
-      <a:schemeClr val="accent2"/>
-      <a:schemeClr val="accent3"/>
-      <a:schemeClr val="accent4"/>
-      <a:schemeClr val="accent5"/>
-      <a:schemeClr val="accent6"/>
-    </dgm:fillClrLst>
-    <dgm:linClrLst meth="repeat">
-      <a:schemeClr val="accent2"/>
-      <a:schemeClr val="accent3"/>
-      <a:schemeClr val="accent4"/>
-      <a:schemeClr val="accent5"/>
-      <a:schemeClr val="accent6"/>
-    </dgm:linClrLst>
-    <dgm:effectClrLst/>
-    <dgm:txLinClrLst/>
-    <dgm:txFillClrLst/>
-    <dgm:txEffectClrLst/>
-  </dgm:styleLbl>
-  <dgm:styleLbl name="lnNode1">
-    <dgm:fillClrLst meth="repeat">
-      <a:schemeClr val="accent2"/>
-      <a:schemeClr val="accent3"/>
-      <a:schemeClr val="accent4"/>
-      <a:schemeClr val="accent5"/>
-      <a:schemeClr val="accent6"/>
-    </dgm:fillClrLst>
-    <dgm:linClrLst meth="repeat">
-      <a:schemeClr val="lt1"/>
-    </dgm:linClrLst>
-    <dgm:effectClrLst/>
-    <dgm:txLinClrLst/>
-    <dgm:txFillClrLst/>
-    <dgm:txEffectClrLst/>
-  </dgm:styleLbl>
-  <dgm:styleLbl name="vennNode1">
-    <dgm:fillClrLst meth="repeat">
-      <a:schemeClr val="accent2">
-        <a:alpha val="50000"/>
-      </a:schemeClr>
-      <a:schemeClr val="accent3">
-        <a:alpha val="50000"/>
-      </a:schemeClr>
-      <a:schemeClr val="accent4">
-        <a:alpha val="50000"/>
-      </a:schemeClr>
-      <a:schemeClr val="accent5">
-        <a:alpha val="50000"/>
-      </a:schemeClr>
-      <a:schemeClr val="accent6">
-        <a:alpha val="50000"/>
-      </a:schemeClr>
-    </dgm:fillClrLst>
-    <dgm:linClrLst meth="repeat">
-      <a:schemeClr val="lt1"/>
-    </dgm:linClrLst>
-    <dgm:effectClrLst/>
-    <dgm:txLinClrLst/>
-    <dgm:txFillClrLst/>
-    <dgm:txEffectClrLst/>
-  </dgm:styleLbl>
-  <dgm:styleLbl name="node2">
-    <dgm:fillClrLst>
-      <a:schemeClr val="accent2"/>
-    </dgm:fillClrLst>
-    <dgm:linClrLst meth="repeat">
-      <a:schemeClr val="lt1"/>
-    </dgm:linClrLst>
-    <dgm:effectClrLst/>
-    <dgm:txLinClrLst/>
-    <dgm:txFillClrLst/>
-    <dgm:txEffectClrLst/>
-  </dgm:styleLbl>
-  <dgm:styleLbl name="node3">
-    <dgm:fillClrLst>
-      <a:schemeClr val="accent3"/>
-    </dgm:fillClrLst>
-    <dgm:linClrLst meth="repeat">
-      <a:schemeClr val="lt1"/>
-    </dgm:linClrLst>
-    <dgm:effectClrLst/>
-    <dgm:txLinClrLst/>
-    <dgm:txFillClrLst/>
-    <dgm:txEffectClrLst/>
-  </dgm:styleLbl>
-  <dgm:styleLbl name="node4">
-    <dgm:fillClrLst>
-      <a:schemeClr val="accent4"/>
-    </dgm:fillClrLst>
-    <dgm:linClrLst meth="repeat">
-      <a:schemeClr val="lt1"/>
-    </dgm:linClrLst>
-    <dgm:effectClrLst/>
-    <dgm:txLinClrLst/>
-    <dgm:txFillClrLst/>
-    <dgm:txEffectClrLst/>
-  </dgm:styleLbl>
-  <dgm:styleLbl name="fgImgPlace1">
-    <dgm:fillClrLst meth="repeat">
-      <a:schemeClr val="accent2">
-        <a:tint val="50000"/>
-      </a:schemeClr>
-      <a:schemeClr val="accent3">
-        <a:tint val="50000"/>
-      </a:schemeClr>
-      <a:schemeClr val="accent4">
-        <a:tint val="50000"/>
-      </a:schemeClr>
-      <a:schemeClr val="accent5">
-        <a:tint val="50000"/>
-      </a:schemeClr>
-      <a:schemeClr val="accent6">
-        <a:tint val="50000"/>
-      </a:schemeClr>
-    </dgm:fillClrLst>
-    <dgm:linClrLst meth="repeat">
-      <a:schemeClr val="lt1"/>
-    </dgm:linClrLst>
-    <dgm:effectClrLst/>
-    <dgm:txLinClrLst/>
-    <dgm:txFillClrLst meth="repeat">
-      <a:schemeClr val="lt1"/>
-    </dgm:txFillClrLst>
-    <dgm:txEffectClrLst/>
-  </dgm:styleLbl>
-  <dgm:styleLbl name="alignImgPlace1">
-    <dgm:fillClrLst>
-      <a:schemeClr val="accent1">
-        <a:tint val="50000"/>
-      </a:schemeClr>
-      <a:schemeClr val="accent2">
-        <a:tint val="20000"/>
-      </a:schemeClr>
-    </dgm:fillClrLst>
-    <dgm:linClrLst meth="repeat">
-      <a:schemeClr val="lt1"/>
-    </dgm:linClrLst>
-    <dgm:effectClrLst/>
-    <dgm:txLinClrLst/>
-    <dgm:txFillClrLst meth="repeat">
-      <a:schemeClr val="lt1"/>
-    </dgm:txFillClrLst>
-    <dgm:txEffectClrLst/>
-  </dgm:styleLbl>
-  <dgm:styleLbl name="bgImgPlace1">
-    <dgm:fillClrLst>
-      <a:schemeClr val="accent1">
-        <a:tint val="50000"/>
-      </a:schemeClr>
-      <a:schemeClr val="accent2">
-        <a:tint val="20000"/>
-      </a:schemeClr>
-    </dgm:fillClrLst>
-    <dgm:linClrLst meth="repeat">
-      <a:schemeClr val="lt1"/>
-    </dgm:linClrLst>
-    <dgm:effectClrLst/>
-    <dgm:txLinClrLst/>
-    <dgm:txFillClrLst meth="repeat">
-      <a:schemeClr val="lt1"/>
-    </dgm:txFillClrLst>
-    <dgm:txEffectClrLst/>
-  </dgm:styleLbl>
-  <dgm:styleLbl name="sibTrans2D1">
-    <dgm:fillClrLst meth="repeat">
-      <a:schemeClr val="accent2"/>
-      <a:schemeClr val="accent3"/>
-      <a:schemeClr val="accent4"/>
-      <a:schemeClr val="accent5"/>
-      <a:schemeClr val="accent6"/>
-    </dgm:fillClrLst>
-    <dgm:linClrLst meth="cycle">
-      <a:schemeClr val="lt1"/>
-    </dgm:linClrLst>
-    <dgm:effectClrLst/>
-    <dgm:txLinClrLst/>
-    <dgm:txFillClrLst/>
-    <dgm:txEffectClrLst/>
-  </dgm:styleLbl>
-  <dgm:styleLbl name="fgSibTrans2D1">
-    <dgm:fillClrLst meth="repeat">
-      <a:schemeClr val="accent2"/>
-      <a:schemeClr val="accent3"/>
-      <a:schemeClr val="accent4"/>
-      <a:schemeClr val="accent5"/>
-      <a:schemeClr val="accent6"/>
-    </dgm:fillClrLst>
-    <dgm:linClrLst meth="cycle">
-      <a:schemeClr val="lt1"/>
-    </dgm:linClrLst>
-    <dgm:effectClrLst/>
-    <dgm:txLinClrLst/>
-    <dgm:txFillClrLst meth="repeat">
-      <a:schemeClr val="lt1"/>
-    </dgm:txFillClrLst>
-    <dgm:txEffectClrLst/>
-  </dgm:styleLbl>
-  <dgm:styleLbl name="bgSibTrans2D1">
-    <dgm:fillClrLst meth="repeat">
-      <a:schemeClr val="accent2"/>
-      <a:schemeClr val="accent3"/>
-      <a:schemeClr val="accent4"/>
-      <a:schemeClr val="accent5"/>
-      <a:schemeClr val="accent6"/>
-    </dgm:fillClrLst>
-    <dgm:linClrLst meth="cycle">
-      <a:schemeClr val="lt1"/>
-    </dgm:linClrLst>
-    <dgm:effectClrLst/>
-    <dgm:txLinClrLst/>
-    <dgm:txFillClrLst meth="repeat">
-      <a:schemeClr val="lt1"/>
-    </dgm:txFillClrLst>
-    <dgm:txEffectClrLst/>
-  </dgm:styleLbl>
-  <dgm:styleLbl name="sibTrans1D1">
-    <dgm:fillClrLst meth="repeat">
-      <a:schemeClr val="accent2"/>
-      <a:schemeClr val="accent3"/>
-      <a:schemeClr val="accent4"/>
-      <a:schemeClr val="accent5"/>
-      <a:schemeClr val="accent6"/>
-    </dgm:fillClrLst>
-    <dgm:linClrLst meth="repeat">
-      <a:schemeClr val="accent2"/>
-      <a:schemeClr val="accent3"/>
-      <a:schemeClr val="accent4"/>
-      <a:schemeClr val="accent5"/>
-      <a:schemeClr val="accent6"/>
-    </dgm:linClrLst>
-    <dgm:effectClrLst/>
-    <dgm:txLinClrLst/>
-    <dgm:txFillClrLst meth="repeat">
-      <a:schemeClr val="tx1"/>
-    </dgm:txFillClrLst>
-    <dgm:txEffectClrLst/>
-  </dgm:styleLbl>
-  <dgm:styleLbl name="callout">
-    <dgm:fillClrLst meth="repeat">
-      <a:schemeClr val="accent2"/>
-    </dgm:fillClrLst>
-    <dgm:linClrLst meth="repeat">
-      <a:schemeClr val="accent2">
-        <a:tint val="50000"/>
-      </a:schemeClr>
-    </dgm:linClrLst>
-    <dgm:effectClrLst/>
-    <dgm:txLinClrLst/>
-    <dgm:txFillClrLst meth="repeat">
-      <a:schemeClr val="tx1"/>
-    </dgm:txFillClrLst>
-    <dgm:txEffectClrLst/>
-  </dgm:styleLbl>
-  <dgm:styleLbl name="asst0">
-    <dgm:fillClrLst meth="repeat">
-      <a:schemeClr val="accent1"/>
-    </dgm:fillClrLst>
-    <dgm:linClrLst meth="repeat">
-      <a:schemeClr val="lt1"/>
-    </dgm:linClrLst>
-    <dgm:effectClrLst/>
-    <dgm:txLinClrLst/>
-    <dgm:txFillClrLst/>
-    <dgm:txEffectClrLst/>
-  </dgm:styleLbl>
-  <dgm:styleLbl name="asst1">
-    <dgm:fillClrLst meth="repeat">
-      <a:schemeClr val="accent2"/>
-    </dgm:fillClrLst>
-    <dgm:linClrLst meth="repeat">
-      <a:schemeClr val="lt1"/>
-    </dgm:linClrLst>
-    <dgm:effectClrLst/>
-    <dgm:txLinClrLst/>
-    <dgm:txFillClrLst/>
-    <dgm:txEffectClrLst/>
-  </dgm:styleLbl>
-  <dgm:styleLbl name="asst2">
-    <dgm:fillClrLst>
-      <a:schemeClr val="accent3"/>
-    </dgm:fillClrLst>
-    <dgm:linClrLst meth="repeat">
-      <a:schemeClr val="lt1"/>
-    </dgm:linClrLst>
-    <dgm:effectClrLst/>
-    <dgm:txLinClrLst/>
-    <dgm:txFillClrLst/>
-    <dgm:txEffectClrLst/>
-  </dgm:styleLbl>
-  <dgm:styleLbl name="asst3">
-    <dgm:fillClrLst>
-      <a:schemeClr val="accent4"/>
-    </dgm:fillClrLst>
-    <dgm:linClrLst meth="repeat">
-      <a:schemeClr val="lt1"/>
-    </dgm:linClrLst>
-    <dgm:effectClrLst/>
-    <dgm:txLinClrLst/>
-    <dgm:txFillClrLst/>
-    <dgm:txEffectClrLst/>
-  </dgm:styleLbl>
-  <dgm:styleLbl name="asst4">
-    <dgm:fillClrLst>
-      <a:schemeClr val="accent5"/>
-    </dgm:fillClrLst>
-    <dgm:linClrLst meth="repeat">
-      <a:schemeClr val="lt1"/>
-    </dgm:linClrLst>
-    <dgm:effectClrLst/>
-    <dgm:txLinClrLst/>
-    <dgm:txFillClrLst/>
-    <dgm:txEffectClrLst/>
-  </dgm:styleLbl>
-  <dgm:styleLbl name="parChTrans2D1">
-    <dgm:fillClrLst meth="repeat">
-      <a:schemeClr val="accent2"/>
-    </dgm:fillClrLst>
-    <dgm:linClrLst meth="repeat">
-      <a:schemeClr val="lt1"/>
-    </dgm:linClrLst>
-    <dgm:effectClrLst/>
-    <dgm:txLinClrLst/>
-    <dgm:txFillClrLst meth="repeat">
-      <a:schemeClr val="lt1"/>
-    </dgm:txFillClrLst>
-    <dgm:txEffectClrLst/>
-  </dgm:styleLbl>
-  <dgm:styleLbl name="parChTrans2D2">
-    <dgm:fillClrLst meth="repeat">
-      <a:schemeClr val="accent3"/>
-    </dgm:fillClrLst>
-    <dgm:linClrLst meth="repeat">
-      <a:schemeClr val="lt1"/>
-    </dgm:linClrLst>
-    <dgm:effectClrLst/>
-    <dgm:txLinClrLst/>
-    <dgm:txFillClrLst/>
-    <dgm:txEffectClrLst/>
-  </dgm:styleLbl>
-  <dgm:styleLbl name="parChTrans2D3">
-    <dgm:fillClrLst meth="repeat">
-      <a:schemeClr val="accent4"/>
-    </dgm:fillClrLst>
-    <dgm:linClrLst meth="repeat">
-      <a:schemeClr val="lt1"/>
-    </dgm:linClrLst>
-    <dgm:effectClrLst/>
-    <dgm:txLinClrLst/>
-    <dgm:txFillClrLst/>
-    <dgm:txEffectClrLst/>
-  </dgm:styleLbl>
-  <dgm:styleLbl name="parChTrans2D4">
-    <dgm:fillClrLst meth="repeat">
-      <a:schemeClr val="accent5"/>
-    </dgm:fillClrLst>
-    <dgm:linClrLst meth="repeat">
-      <a:schemeClr val="lt1"/>
-    </dgm:linClrLst>
-    <dgm:effectClrLst/>
-    <dgm:txLinClrLst/>
-    <dgm:txFillClrLst meth="repeat">
-      <a:schemeClr val="lt1"/>
-    </dgm:txFillClrLst>
-    <dgm:txEffectClrLst/>
-  </dgm:styleLbl>
-  <dgm:styleLbl name="parChTrans1D1">
-    <dgm:fillClrLst meth="repeat">
-      <a:schemeClr val="accent2"/>
-    </dgm:fillClrLst>
-    <dgm:linClrLst meth="repeat">
-      <a:schemeClr val="accent1"/>
-    </dgm:linClrLst>
-    <dgm:effectClrLst/>
-    <dgm:txLinClrLst/>
-    <dgm:txFillClrLst meth="repeat">
-      <a:schemeClr val="tx1"/>
-    </dgm:txFillClrLst>
-    <dgm:txEffectClrLst/>
-  </dgm:styleLbl>
-  <dgm:styleLbl name="parChTrans1D2">
-    <dgm:fillClrLst meth="repeat">
-      <a:schemeClr val="accent3">
-        <a:tint val="90000"/>
-      </a:schemeClr>
-    </dgm:fillClrLst>
-    <dgm:linClrLst meth="repeat">
-      <a:schemeClr val="accent2"/>
-    </dgm:linClrLst>
-    <dgm:effectClrLst/>
-    <dgm:txLinClrLst/>
-    <dgm:txFillClrLst meth="repeat">
-      <a:schemeClr val="tx1"/>
-    </dgm:txFillClrLst>
-    <dgm:txEffectClrLst/>
-  </dgm:styleLbl>
-  <dgm:styleLbl name="parChTrans1D3">
-    <dgm:fillClrLst meth="repeat">
-      <a:schemeClr val="accent4">
-        <a:tint val="70000"/>
-      </a:schemeClr>
-    </dgm:fillClrLst>
-    <dgm:linClrLst meth="repeat">
-      <a:schemeClr val="accent3"/>
-    </dgm:linClrLst>
-    <dgm:effectClrLst/>
-    <dgm:txLinClrLst/>
-    <dgm:txFillClrLst meth="repeat">
-      <a:schemeClr val="tx1"/>
-    </dgm:txFillClrLst>
-    <dgm:txEffectClrLst/>
-  </dgm:styleLbl>
-  <dgm:styleLbl name="parChTrans1D4">
-    <dgm:fillClrLst meth="repeat">
-      <a:schemeClr val="accent5">
-        <a:tint val="50000"/>
-      </a:schemeClr>
-    </dgm:fillClrLst>
-    <dgm:linClrLst meth="repeat">
-      <a:schemeClr val="accent4"/>
-    </dgm:linClrLst>
-    <dgm:effectClrLst/>
-    <dgm:txLinClrLst/>
-    <dgm:txFillClrLst meth="repeat">
-      <a:schemeClr val="tx1"/>
-    </dgm:txFillClrLst>
-    <dgm:txEffectClrLst/>
-  </dgm:styleLbl>
-  <dgm:styleLbl name="fgAcc1">
-    <dgm:fillClrLst meth="repeat">
-      <a:schemeClr val="lt1">
-        <a:alpha val="90000"/>
-      </a:schemeClr>
-    </dgm:fillClrLst>
-    <dgm:linClrLst meth="repeat">
-      <a:schemeClr val="accent2"/>
-      <a:schemeClr val="accent3"/>
-      <a:schemeClr val="accent4"/>
-      <a:schemeClr val="accent5"/>
-      <a:schemeClr val="accent6"/>
-    </dgm:linClrLst>
-    <dgm:effectClrLst/>
-    <dgm:txLinClrLst/>
-    <dgm:txFillClrLst meth="repeat">
-      <a:schemeClr val="dk1"/>
-    </dgm:txFillClrLst>
-    <dgm:txEffectClrLst/>
-  </dgm:styleLbl>
-  <dgm:styleLbl name="conFgAcc1">
-    <dgm:fillClrLst meth="repeat">
-      <a:schemeClr val="lt1">
-        <a:alpha val="90000"/>
-      </a:schemeClr>
-    </dgm:fillClrLst>
-    <dgm:linClrLst meth="repeat">
-      <a:schemeClr val="accent2"/>
-      <a:schemeClr val="accent3"/>
-      <a:schemeClr val="accent4"/>
-      <a:schemeClr val="accent5"/>
-      <a:schemeClr val="accent6"/>
-    </dgm:linClrLst>
-    <dgm:effectClrLst/>
-    <dgm:txLinClrLst/>
-    <dgm:txFillClrLst meth="repeat">
-      <a:schemeClr val="dk1"/>
-    </dgm:txFillClrLst>
-    <dgm:txEffectClrLst/>
-  </dgm:styleLbl>
-  <dgm:styleLbl name="alignAcc1">
-    <dgm:fillClrLst meth="repeat">
-      <a:schemeClr val="lt1">
-        <a:alpha val="90000"/>
-      </a:schemeClr>
-    </dgm:fillClrLst>
-    <dgm:linClrLst meth="repeat">
-      <a:schemeClr val="accent2"/>
-      <a:schemeClr val="accent3"/>
-      <a:schemeClr val="accent4"/>
-      <a:schemeClr val="accent5"/>
-      <a:schemeClr val="accent6"/>
-    </dgm:linClrLst>
-    <dgm:effectClrLst/>
-    <dgm:txLinClrLst/>
-    <dgm:txFillClrLst meth="repeat">
-      <a:schemeClr val="dk1"/>
-    </dgm:txFillClrLst>
-    <dgm:txEffectClrLst/>
-  </dgm:styleLbl>
-  <dgm:styleLbl name="trAlignAcc1">
-    <dgm:fillClrLst meth="repeat">
-      <a:schemeClr val="lt1">
-        <a:alpha val="40000"/>
-      </a:schemeClr>
-    </dgm:fillClrLst>
-    <dgm:linClrLst meth="repeat">
-      <a:schemeClr val="accent1"/>
-    </dgm:linClrLst>
-    <dgm:effectClrLst/>
-    <dgm:txLinClrLst/>
-    <dgm:txFillClrLst meth="repeat">
-      <a:schemeClr val="dk1"/>
-    </dgm:txFillClrLst>
-    <dgm:txEffectClrLst/>
-  </dgm:styleLbl>
-  <dgm:styleLbl name="bgAcc1">
-    <dgm:fillClrLst meth="repeat">
-      <a:schemeClr val="lt1">
-        <a:alpha val="90000"/>
-      </a:schemeClr>
-    </dgm:fillClrLst>
-    <dgm:linClrLst meth="repeat">
-      <a:schemeClr val="accent2"/>
-      <a:schemeClr val="accent3"/>
-      <a:schemeClr val="accent4"/>
-      <a:schemeClr val="accent5"/>
-      <a:schemeClr val="accent6"/>
-    </dgm:linClrLst>
-    <dgm:effectClrLst/>
-    <dgm:txLinClrLst/>
-    <dgm:txFillClrLst meth="repeat">
-      <a:schemeClr val="dk1"/>
-    </dgm:txFillClrLst>
-    <dgm:txEffectClrLst/>
-  </dgm:styleLbl>
-  <dgm:styleLbl name="solidFgAcc1">
-    <dgm:fillClrLst meth="repeat">
-      <a:schemeClr val="lt1"/>
-    </dgm:fillClrLst>
-    <dgm:linClrLst meth="repeat">
-      <a:schemeClr val="accent2"/>
-      <a:schemeClr val="accent3"/>
-      <a:schemeClr val="accent4"/>
-      <a:schemeClr val="accent5"/>
-      <a:schemeClr val="accent6"/>
-    </dgm:linClrLst>
-    <dgm:effectClrLst/>
-    <dgm:txLinClrLst/>
-    <dgm:txFillClrLst meth="repeat">
-      <a:schemeClr val="dk1"/>
-    </dgm:txFillClrLst>
-    <dgm:txEffectClrLst/>
-  </dgm:styleLbl>
-  <dgm:styleLbl name="solidAlignAcc1">
-    <dgm:fillClrLst meth="repeat">
-      <a:schemeClr val="lt1"/>
-    </dgm:fillClrLst>
-    <dgm:linClrLst meth="repeat">
-      <a:schemeClr val="accent2"/>
-      <a:schemeClr val="accent3"/>
-      <a:schemeClr val="accent4"/>
-      <a:schemeClr val="accent5"/>
-      <a:schemeClr val="accent6"/>
-    </dgm:linClrLst>
-    <dgm:effectClrLst/>
-    <dgm:txLinClrLst/>
-    <dgm:txFillClrLst meth="repeat">
-      <a:schemeClr val="dk1"/>
-    </dgm:txFillClrLst>
-    <dgm:txEffectClrLst/>
-  </dgm:styleLbl>
-  <dgm:styleLbl name="solidBgAcc1">
-    <dgm:fillClrLst meth="repeat">
-      <a:schemeClr val="lt1"/>
-    </dgm:fillClrLst>
-    <dgm:linClrLst meth="repeat">
-      <a:schemeClr val="accent2"/>
-      <a:schemeClr val="accent3"/>
-      <a:schemeClr val="accent4"/>
-      <a:schemeClr val="accent5"/>
-      <a:schemeClr val="accent6"/>
-    </dgm:linClrLst>
-    <dgm:effectClrLst/>
-    <dgm:txLinClrLst/>
-    <dgm:txFillClrLst meth="repeat">
-      <a:schemeClr val="dk1"/>
-    </dgm:txFillClrLst>
-    <dgm:txEffectClrLst/>
-  </dgm:styleLbl>
-  <dgm:styleLbl name="fgAccFollowNode1">
-    <dgm:fillClrLst meth="repeat">
-      <a:schemeClr val="accent2">
-        <a:tint val="40000"/>
-        <a:alpha val="90000"/>
-      </a:schemeClr>
-      <a:schemeClr val="accent3">
-        <a:tint val="40000"/>
-        <a:alpha val="90000"/>
-      </a:schemeClr>
-      <a:schemeClr val="accent4">
-        <a:tint val="40000"/>
-        <a:alpha val="90000"/>
-      </a:schemeClr>
-      <a:schemeClr val="accent5">
-        <a:tint val="40000"/>
-        <a:alpha val="90000"/>
-      </a:schemeClr>
-      <a:schemeClr val="accent6">
-        <a:tint val="40000"/>
-        <a:alpha val="90000"/>
-      </a:schemeClr>
-    </dgm:fillClrLst>
-    <dgm:linClrLst meth="repeat">
-      <a:schemeClr val="accent2">
-        <a:tint val="40000"/>
-        <a:alpha val="90000"/>
-      </a:schemeClr>
-      <a:schemeClr val="accent3">
-        <a:tint val="40000"/>
-        <a:alpha val="90000"/>
-      </a:schemeClr>
-      <a:schemeClr val="accent4">
-        <a:tint val="40000"/>
-        <a:alpha val="90000"/>
-      </a:schemeClr>
-      <a:schemeClr val="accent5">
-        <a:tint val="40000"/>
-        <a:alpha val="90000"/>
-      </a:schemeClr>
-      <a:schemeClr val="accent6">
-        <a:tint val="40000"/>
-        <a:alpha val="90000"/>
-      </a:schemeClr>
-    </dgm:linClrLst>
-    <dgm:effectClrLst/>
-    <dgm:txLinClrLst/>
-    <dgm:txFillClrLst meth="repeat">
-      <a:schemeClr val="dk1"/>
-    </dgm:txFillClrLst>
-    <dgm:txEffectClrLst/>
-  </dgm:styleLbl>
-  <dgm:styleLbl name="alignAccFollowNode1">
-    <dgm:fillClrLst meth="repeat">
-      <a:schemeClr val="accent2">
-        <a:tint val="40000"/>
-        <a:alpha val="90000"/>
-      </a:schemeClr>
-      <a:schemeClr val="accent3">
-        <a:tint val="40000"/>
-        <a:alpha val="90000"/>
-      </a:schemeClr>
-      <a:schemeClr val="accent4">
-        <a:tint val="40000"/>
-        <a:alpha val="90000"/>
-      </a:schemeClr>
-      <a:schemeClr val="accent5">
-        <a:tint val="40000"/>
-        <a:alpha val="90000"/>
-      </a:schemeClr>
-      <a:schemeClr val="accent6">
-        <a:tint val="40000"/>
-        <a:alpha val="90000"/>
-      </a:schemeClr>
-    </dgm:fillClrLst>
-    <dgm:linClrLst meth="repeat">
-      <a:schemeClr val="accent2">
-        <a:tint val="40000"/>
-        <a:alpha val="90000"/>
-      </a:schemeClr>
-      <a:schemeClr val="accent3">
-        <a:tint val="40000"/>
-        <a:alpha val="90000"/>
-      </a:schemeClr>
-      <a:schemeClr val="accent4">
-        <a:tint val="40000"/>
-        <a:alpha val="90000"/>
-      </a:schemeClr>
-      <a:schemeClr val="accent5">
-        <a:tint val="40000"/>
-        <a:alpha val="90000"/>
-      </a:schemeClr>
-      <a:schemeClr val="accent6">
-        <a:tint val="40000"/>
-        <a:alpha val="90000"/>
-      </a:schemeClr>
-    </dgm:linClrLst>
-    <dgm:effectClrLst/>
-    <dgm:txLinClrLst/>
-    <dgm:txFillClrLst meth="repeat">
-      <a:schemeClr val="dk1"/>
-    </dgm:txFillClrLst>
-    <dgm:txEffectClrLst/>
-  </dgm:styleLbl>
-  <dgm:styleLbl name="bgAccFollowNode1">
-    <dgm:fillClrLst meth="repeat">
-      <a:schemeClr val="accent2">
-        <a:tint val="40000"/>
-        <a:alpha val="90000"/>
-      </a:schemeClr>
-      <a:schemeClr val="accent3">
-        <a:tint val="40000"/>
-        <a:alpha val="90000"/>
-      </a:schemeClr>
-      <a:schemeClr val="accent4">
-        <a:tint val="40000"/>
-        <a:alpha val="90000"/>
-      </a:schemeClr>
-      <a:schemeClr val="accent5">
-        <a:tint val="40000"/>
-        <a:alpha val="90000"/>
-      </a:schemeClr>
-      <a:schemeClr val="accent6">
-        <a:tint val="40000"/>
-        <a:alpha val="90000"/>
-      </a:schemeClr>
-    </dgm:fillClrLst>
-    <dgm:linClrLst meth="repeat">
-      <a:schemeClr val="accent2">
-        <a:tint val="40000"/>
-        <a:alpha val="90000"/>
-      </a:schemeClr>
-      <a:schemeClr val="accent3">
-        <a:tint val="40000"/>
-        <a:alpha val="90000"/>
-      </a:schemeClr>
-      <a:schemeClr val="accent4">
-        <a:tint val="40000"/>
-        <a:alpha val="90000"/>
-      </a:schemeClr>
-      <a:schemeClr val="accent5">
-        <a:tint val="40000"/>
-        <a:alpha val="90000"/>
-      </a:schemeClr>
-      <a:schemeClr val="accent6">
-        <a:tint val="40000"/>
-        <a:alpha val="90000"/>
-      </a:schemeClr>
-    </dgm:linClrLst>
-    <dgm:effectClrLst/>
-    <dgm:txLinClrLst/>
-    <dgm:txFillClrLst meth="repeat">
-      <a:schemeClr val="dk1"/>
-    </dgm:txFillClrLst>
-    <dgm:txEffectClrLst/>
-  </dgm:styleLbl>
-  <dgm:styleLbl name="fgAcc0">
-    <dgm:fillClrLst meth="repeat">
-      <a:schemeClr val="lt1">
-        <a:alpha val="90000"/>
-      </a:schemeClr>
-    </dgm:fillClrLst>
-    <dgm:linClrLst>
-      <a:schemeClr val="accent1"/>
-    </dgm:linClrLst>
-    <dgm:effectClrLst/>
-    <dgm:txLinClrLst/>
-    <dgm:txFillClrLst meth="repeat">
-      <a:schemeClr val="dk1"/>
-    </dgm:txFillClrLst>
-    <dgm:txEffectClrLst/>
-  </dgm:styleLbl>
-  <dgm:styleLbl name="fgAcc2">
-    <dgm:fillClrLst meth="repeat">
-      <a:schemeClr val="lt1">
-        <a:alpha val="90000"/>
-      </a:schemeClr>
-    </dgm:fillClrLst>
-    <dgm:linClrLst>
-      <a:schemeClr val="accent2"/>
-    </dgm:linClrLst>
-    <dgm:effectClrLst/>
-    <dgm:txLinClrLst/>
-    <dgm:txFillClrLst meth="repeat">
-      <a:schemeClr val="dk1"/>
-    </dgm:txFillClrLst>
-    <dgm:txEffectClrLst/>
-  </dgm:styleLbl>
-  <dgm:styleLbl name="fgAcc3">
-    <dgm:fillClrLst meth="repeat">
-      <a:schemeClr val="lt1">
-        <a:alpha val="90000"/>
-      </a:schemeClr>
-    </dgm:fillClrLst>
-    <dgm:linClrLst>
-      <a:schemeClr val="accent3"/>
-    </dgm:linClrLst>
-    <dgm:effectClrLst/>
-    <dgm:txLinClrLst/>
-    <dgm:txFillClrLst meth="repeat">
-      <a:schemeClr val="dk1"/>
-    </dgm:txFillClrLst>
-    <dgm:txEffectClrLst/>
-  </dgm:styleLbl>
-  <dgm:styleLbl name="fgAcc4">
-    <dgm:fillClrLst meth="repeat">
-      <a:schemeClr val="lt1">
-        <a:alpha val="90000"/>
-      </a:schemeClr>
-    </dgm:fillClrLst>
-    <dgm:linClrLst>
-      <a:schemeClr val="accent4"/>
-    </dgm:linClrLst>
-    <dgm:effectClrLst/>
-    <dgm:txLinClrLst/>
-    <dgm:txFillClrLst meth="repeat">
-      <a:schemeClr val="dk1"/>
-    </dgm:txFillClrLst>
-    <dgm:txEffectClrLst/>
-  </dgm:styleLbl>
-  <dgm:styleLbl name="bgShp">
-    <dgm:fillClrLst meth="repeat">
-      <a:schemeClr val="accent2"/>
-      <a:schemeClr val="accent3"/>
-      <a:schemeClr val="accent4"/>
-      <a:schemeClr val="accent5"/>
-      <a:schemeClr val="accent6"/>
-    </dgm:fillClrLst>
-    <dgm:linClrLst meth="repeat">
-      <a:schemeClr val="lt1">
-        <a:alpha val="0"/>
-      </a:schemeClr>
-    </dgm:linClrLst>
-    <dgm:effectClrLst/>
-    <dgm:txLinClrLst/>
-    <dgm:txFillClrLst/>
-    <dgm:txEffectClrLst/>
-  </dgm:styleLbl>
-  <dgm:styleLbl name="dkBgShp">
-    <dgm:fillClrLst meth="repeat">
-      <a:schemeClr val="accent2">
-        <a:shade val="90000"/>
-      </a:schemeClr>
-    </dgm:fillClrLst>
-    <dgm:linClrLst meth="repeat">
-      <a:schemeClr val="dk1"/>
-    </dgm:linClrLst>
-    <dgm:effectClrLst/>
-    <dgm:txLinClrLst/>
-    <dgm:txFillClrLst meth="repeat">
-      <a:schemeClr val="lt1"/>
-    </dgm:txFillClrLst>
-    <dgm:txEffectClrLst/>
-  </dgm:styleLbl>
-  <dgm:styleLbl name="trBgShp">
-    <dgm:fillClrLst meth="repeat">
-      <a:schemeClr val="accent1">
-        <a:tint val="50000"/>
-        <a:alpha val="40000"/>
-      </a:schemeClr>
-    </dgm:fillClrLst>
-    <dgm:linClrLst meth="repeat">
-      <a:schemeClr val="accent2"/>
-    </dgm:linClrLst>
-    <dgm:effectClrLst/>
-    <dgm:txLinClrLst/>
-    <dgm:txFillClrLst meth="repeat">
-      <a:schemeClr val="lt1"/>
-    </dgm:txFillClrLst>
-    <dgm:txEffectClrLst/>
-  </dgm:styleLbl>
-  <dgm:styleLbl name="fgShp">
-    <dgm:fillClrLst meth="repeat">
-      <a:schemeClr val="accent2">
-        <a:tint val="40000"/>
-      </a:schemeClr>
-    </dgm:fillClrLst>
-    <dgm:linClrLst meth="repeat">
-      <a:schemeClr val="lt1"/>
-    </dgm:linClrLst>
-    <dgm:effectClrLst/>
-    <dgm:txLinClrLst/>
-    <dgm:txFillClrLst meth="repeat">
-      <a:schemeClr val="dk1"/>
-    </dgm:txFillClrLst>
-    <dgm:txEffectClrLst/>
-  </dgm:styleLbl>
-  <dgm:styleLbl name="revTx">
-    <dgm:fillClrLst meth="repeat">
-      <a:schemeClr val="lt1">
-        <a:alpha val="0"/>
-      </a:schemeClr>
-    </dgm:fillClrLst>
-    <dgm:linClrLst meth="repeat">
-      <a:schemeClr val="dk1">
-        <a:alpha val="0"/>
-      </a:schemeClr>
-    </dgm:linClrLst>
-    <dgm:effectClrLst/>
-    <dgm:txLinClrLst/>
-    <dgm:txFillClrLst meth="repeat">
-      <a:schemeClr val="tx1"/>
-    </dgm:txFillClrLst>
-    <dgm:txEffectClrLst/>
-  </dgm:styleLbl>
-</dgm:colorsDef>
-</file>
-
-<file path=ppt/diagrams/data1.xml><?xml version="1.0" encoding="utf-8"?>
-<dgm:dataModel xmlns:dgm="http://schemas.openxmlformats.org/drawingml/2006/diagram" xmlns:a="http://schemas.openxmlformats.org/drawingml/2006/main">
-  <dgm:ptLst>
-    <dgm:pt modelId="{D23E759F-F148-423F-8D6A-09A029483D95}" type="doc">
-      <dgm:prSet loTypeId="urn:microsoft.com/office/officeart/2018/5/layout/IconCircleLabelList" loCatId="icon" qsTypeId="urn:microsoft.com/office/officeart/2005/8/quickstyle/simple1" qsCatId="simple" csTypeId="urn:microsoft.com/office/officeart/2018/5/colors/Iconchunking_neutralicon_colorful1" csCatId="colorful" phldr="1"/>
-      <dgm:spPr/>
-      <dgm:t>
-        <a:bodyPr/>
-        <a:lstStyle/>
-        <a:p>
-          <a:endParaRPr lang="en-US"/>
-        </a:p>
-      </dgm:t>
-    </dgm:pt>
-    <dgm:pt modelId="{97CA1830-1019-4798-9B94-E9694FCD8716}">
-      <dgm:prSet/>
-      <dgm:spPr/>
-      <dgm:t>
-        <a:bodyPr/>
-        <a:lstStyle/>
-        <a:p>
-          <a:pPr>
-            <a:lnSpc>
-              <a:spcPct val="100000"/>
-            </a:lnSpc>
-            <a:defRPr cap="all"/>
-          </a:pPr>
-          <a:r>
-            <a:rPr lang="en-US"/>
-            <a:t>Days open last year</a:t>
-          </a:r>
-        </a:p>
-      </dgm:t>
-    </dgm:pt>
-    <dgm:pt modelId="{2EB646F1-02E7-41E4-BB04-3EBD3496EB11}" type="parTrans" cxnId="{1887ED52-FCC8-4CCB-A046-43D7A14F8E60}">
-      <dgm:prSet/>
-      <dgm:spPr/>
-      <dgm:t>
-        <a:bodyPr/>
-        <a:lstStyle/>
-        <a:p>
-          <a:endParaRPr lang="en-US"/>
-        </a:p>
-      </dgm:t>
-    </dgm:pt>
-    <dgm:pt modelId="{8E05355D-B7A3-4546-A05E-4C7E0DE66CED}" type="sibTrans" cxnId="{1887ED52-FCC8-4CCB-A046-43D7A14F8E60}">
-      <dgm:prSet/>
-      <dgm:spPr/>
-      <dgm:t>
-        <a:bodyPr/>
-        <a:lstStyle/>
-        <a:p>
-          <a:endParaRPr lang="en-US"/>
-        </a:p>
-      </dgm:t>
-    </dgm:pt>
-    <dgm:pt modelId="{F818EAB9-6520-46BE-8B55-F2FC0C4392EC}">
-      <dgm:prSet/>
-      <dgm:spPr/>
-      <dgm:t>
-        <a:bodyPr/>
-        <a:lstStyle/>
-        <a:p>
-          <a:pPr>
-            <a:lnSpc>
-              <a:spcPct val="100000"/>
-            </a:lnSpc>
-            <a:defRPr cap="all"/>
-          </a:pPr>
-          <a:r>
-            <a:rPr lang="en-US"/>
-            <a:t>Vertical change in elevation from the summit to the base in feet</a:t>
-          </a:r>
-        </a:p>
-      </dgm:t>
-    </dgm:pt>
-    <dgm:pt modelId="{531E1B89-4A99-4B8E-9485-5AB4CC9BBB32}" type="parTrans" cxnId="{1FC1E122-E402-432D-8839-9D4E706912B4}">
-      <dgm:prSet/>
-      <dgm:spPr/>
-      <dgm:t>
-        <a:bodyPr/>
-        <a:lstStyle/>
-        <a:p>
-          <a:endParaRPr lang="en-US"/>
-        </a:p>
-      </dgm:t>
-    </dgm:pt>
-    <dgm:pt modelId="{41A58BDB-7F96-4762-8C3F-A9F0FF2A18EE}" type="sibTrans" cxnId="{1FC1E122-E402-432D-8839-9D4E706912B4}">
-      <dgm:prSet/>
-      <dgm:spPr/>
-      <dgm:t>
-        <a:bodyPr/>
-        <a:lstStyle/>
-        <a:p>
-          <a:endParaRPr lang="en-US"/>
-        </a:p>
-      </dgm:t>
-    </dgm:pt>
-    <dgm:pt modelId="{7C5A2AB0-93A5-4A23-B6B8-DEC24675E16B}">
-      <dgm:prSet/>
-      <dgm:spPr/>
-      <dgm:t>
-        <a:bodyPr/>
-        <a:lstStyle/>
-        <a:p>
-          <a:pPr>
-            <a:lnSpc>
-              <a:spcPct val="100000"/>
-            </a:lnSpc>
-            <a:defRPr cap="all"/>
-          </a:pPr>
-          <a:r>
-            <a:rPr lang="en-US"/>
-            <a:t>Cost of adult weekday chairlift ticket</a:t>
-          </a:r>
-        </a:p>
-      </dgm:t>
-    </dgm:pt>
-    <dgm:pt modelId="{CACFB044-EE45-40BE-88E4-6235775EF099}" type="parTrans" cxnId="{45ED12ED-38CE-4FC4-BC17-EA29719920F0}">
-      <dgm:prSet/>
-      <dgm:spPr/>
-      <dgm:t>
-        <a:bodyPr/>
-        <a:lstStyle/>
-        <a:p>
-          <a:endParaRPr lang="en-US"/>
-        </a:p>
-      </dgm:t>
-    </dgm:pt>
-    <dgm:pt modelId="{411AE0A0-5916-4701-B810-1CCECAF1EC85}" type="sibTrans" cxnId="{45ED12ED-38CE-4FC4-BC17-EA29719920F0}">
-      <dgm:prSet/>
-      <dgm:spPr/>
-      <dgm:t>
-        <a:bodyPr/>
-        <a:lstStyle/>
-        <a:p>
-          <a:endParaRPr lang="en-US"/>
-        </a:p>
-      </dgm:t>
-    </dgm:pt>
-    <dgm:pt modelId="{AD1F1CEE-D5A4-4998-9F99-AB8EF1F118F0}">
-      <dgm:prSet/>
-      <dgm:spPr/>
-      <dgm:t>
-        <a:bodyPr/>
-        <a:lstStyle/>
-        <a:p>
-          <a:pPr>
-            <a:lnSpc>
-              <a:spcPct val="100000"/>
-            </a:lnSpc>
-            <a:defRPr cap="all"/>
-          </a:pPr>
-          <a:r>
-            <a:rPr lang="en-US"/>
-            <a:t>Number of runs in the resort</a:t>
-          </a:r>
-        </a:p>
-      </dgm:t>
-    </dgm:pt>
-    <dgm:pt modelId="{D1DAF579-E07D-41D4-9280-CBB0862CEF6B}" type="parTrans" cxnId="{66BF8967-CD40-411A-B16F-875B06D5C52E}">
-      <dgm:prSet/>
-      <dgm:spPr/>
-      <dgm:t>
-        <a:bodyPr/>
-        <a:lstStyle/>
-        <a:p>
-          <a:endParaRPr lang="en-US"/>
-        </a:p>
-      </dgm:t>
-    </dgm:pt>
-    <dgm:pt modelId="{E50C3EEC-5DBF-4EC1-976F-2F4EC7027047}" type="sibTrans" cxnId="{66BF8967-CD40-411A-B16F-875B06D5C52E}">
-      <dgm:prSet/>
-      <dgm:spPr/>
-      <dgm:t>
-        <a:bodyPr/>
-        <a:lstStyle/>
-        <a:p>
-          <a:endParaRPr lang="en-US"/>
-        </a:p>
-      </dgm:t>
-    </dgm:pt>
-    <dgm:pt modelId="{A1F16459-1309-4BF3-BE0B-7DC3D083FF98}" type="pres">
-      <dgm:prSet presAssocID="{D23E759F-F148-423F-8D6A-09A029483D95}" presName="root" presStyleCnt="0">
-        <dgm:presLayoutVars>
-          <dgm:dir/>
-          <dgm:resizeHandles val="exact"/>
-        </dgm:presLayoutVars>
-      </dgm:prSet>
-      <dgm:spPr/>
-    </dgm:pt>
-    <dgm:pt modelId="{E2D9D4D0-10BF-47A2-A79F-252A0B4C1C22}" type="pres">
-      <dgm:prSet presAssocID="{97CA1830-1019-4798-9B94-E9694FCD8716}" presName="compNode" presStyleCnt="0"/>
-      <dgm:spPr/>
-    </dgm:pt>
-    <dgm:pt modelId="{ADAE5F5B-4EEF-443A-896A-5FA5FE036364}" type="pres">
-      <dgm:prSet presAssocID="{97CA1830-1019-4798-9B94-E9694FCD8716}" presName="iconBgRect" presStyleLbl="bgShp" presStyleIdx="0" presStyleCnt="4"/>
-      <dgm:spPr/>
-    </dgm:pt>
-    <dgm:pt modelId="{B44289F7-7E84-421A-97C3-525179F06CED}" type="pres">
-      <dgm:prSet presAssocID="{97CA1830-1019-4798-9B94-E9694FCD8716}" presName="iconRect" presStyleLbl="node1" presStyleIdx="0" presStyleCnt="4"/>
-      <dgm:spPr>
-        <a:blipFill>
-          <a:blip xmlns:r="http://schemas.openxmlformats.org/officeDocument/2006/relationships" r:embed="rId1">
-            <a:extLst>
-              <a:ext uri="{28A0092B-C50C-407E-A947-70E740481C1C}">
-                <a14:useLocalDpi xmlns:a14="http://schemas.microsoft.com/office/drawing/2010/main" val="0"/>
-              </a:ext>
-              <a:ext uri="{96DAC541-7B7A-43D3-8B79-37D633B846F1}">
-                <asvg:svgBlip xmlns:asvg="http://schemas.microsoft.com/office/drawing/2016/SVG/main" r:embed="rId2"/>
-              </a:ext>
-            </a:extLst>
-          </a:blip>
-          <a:stretch>
-            <a:fillRect/>
-          </a:stretch>
-        </a:blipFill>
-        <a:ln>
-          <a:noFill/>
-        </a:ln>
-      </dgm:spPr>
-      <dgm:extLst>
-        <a:ext uri="{E40237B7-FDA0-4F09-8148-C483321AD2D9}">
-          <dgm14:cNvPr xmlns:dgm14="http://schemas.microsoft.com/office/drawing/2010/diagram" id="0" name="" descr="Daily Calendar"/>
-        </a:ext>
-      </dgm:extLst>
-    </dgm:pt>
-    <dgm:pt modelId="{FCAF41AF-0E5A-417B-A51B-7E6D2A7FEA94}" type="pres">
-      <dgm:prSet presAssocID="{97CA1830-1019-4798-9B94-E9694FCD8716}" presName="spaceRect" presStyleCnt="0"/>
-      <dgm:spPr/>
-    </dgm:pt>
-    <dgm:pt modelId="{A091EFD7-4E67-4DA9-9730-9E4F3E3843D9}" type="pres">
-      <dgm:prSet presAssocID="{97CA1830-1019-4798-9B94-E9694FCD8716}" presName="textRect" presStyleLbl="revTx" presStyleIdx="0" presStyleCnt="4">
-        <dgm:presLayoutVars>
-          <dgm:chMax val="1"/>
-          <dgm:chPref val="1"/>
-        </dgm:presLayoutVars>
-      </dgm:prSet>
-      <dgm:spPr/>
-    </dgm:pt>
-    <dgm:pt modelId="{98648F48-EEEA-4493-9A8F-7CAC27B56D61}" type="pres">
-      <dgm:prSet presAssocID="{8E05355D-B7A3-4546-A05E-4C7E0DE66CED}" presName="sibTrans" presStyleCnt="0"/>
-      <dgm:spPr/>
-    </dgm:pt>
-    <dgm:pt modelId="{68BBF1A6-7EF0-4E21-8EE4-22707257D2D6}" type="pres">
-      <dgm:prSet presAssocID="{F818EAB9-6520-46BE-8B55-F2FC0C4392EC}" presName="compNode" presStyleCnt="0"/>
-      <dgm:spPr/>
-    </dgm:pt>
-    <dgm:pt modelId="{308B3098-ABDF-42E1-AAEE-A0922BFB79B6}" type="pres">
-      <dgm:prSet presAssocID="{F818EAB9-6520-46BE-8B55-F2FC0C4392EC}" presName="iconBgRect" presStyleLbl="bgShp" presStyleIdx="1" presStyleCnt="4"/>
-      <dgm:spPr/>
-    </dgm:pt>
-    <dgm:pt modelId="{4E73D770-C97C-4F13-BBD3-A0AD432B9F97}" type="pres">
-      <dgm:prSet presAssocID="{F818EAB9-6520-46BE-8B55-F2FC0C4392EC}" presName="iconRect" presStyleLbl="node1" presStyleIdx="1" presStyleCnt="4"/>
-      <dgm:spPr>
-        <a:blipFill>
-          <a:blip xmlns:r="http://schemas.openxmlformats.org/officeDocument/2006/relationships" r:embed="rId3">
-            <a:extLst>
-              <a:ext uri="{28A0092B-C50C-407E-A947-70E740481C1C}">
-                <a14:useLocalDpi xmlns:a14="http://schemas.microsoft.com/office/drawing/2010/main" val="0"/>
-              </a:ext>
-              <a:ext uri="{96DAC541-7B7A-43D3-8B79-37D633B846F1}">
-                <asvg:svgBlip xmlns:asvg="http://schemas.microsoft.com/office/drawing/2016/SVG/main" r:embed="rId4"/>
-              </a:ext>
-            </a:extLst>
-          </a:blip>
-          <a:stretch>
-            <a:fillRect/>
-          </a:stretch>
-        </a:blipFill>
-        <a:ln>
-          <a:noFill/>
-        </a:ln>
-      </dgm:spPr>
-      <dgm:extLst>
-        <a:ext uri="{E40237B7-FDA0-4F09-8148-C483321AD2D9}">
-          <dgm14:cNvPr xmlns:dgm14="http://schemas.microsoft.com/office/drawing/2010/diagram" id="0" name="" descr="Mountains"/>
-        </a:ext>
-      </dgm:extLst>
-    </dgm:pt>
-    <dgm:pt modelId="{FFECEA7A-404F-4910-AFFC-5756C0FB96FB}" type="pres">
-      <dgm:prSet presAssocID="{F818EAB9-6520-46BE-8B55-F2FC0C4392EC}" presName="spaceRect" presStyleCnt="0"/>
-      <dgm:spPr/>
-    </dgm:pt>
-    <dgm:pt modelId="{1C25D8A8-BA7D-4D74-9127-5A45301474DB}" type="pres">
-      <dgm:prSet presAssocID="{F818EAB9-6520-46BE-8B55-F2FC0C4392EC}" presName="textRect" presStyleLbl="revTx" presStyleIdx="1" presStyleCnt="4">
-        <dgm:presLayoutVars>
-          <dgm:chMax val="1"/>
-          <dgm:chPref val="1"/>
-        </dgm:presLayoutVars>
-      </dgm:prSet>
-      <dgm:spPr/>
-    </dgm:pt>
-    <dgm:pt modelId="{1B1F1B26-2EEF-4A33-B673-AF7D3876BA29}" type="pres">
-      <dgm:prSet presAssocID="{41A58BDB-7F96-4762-8C3F-A9F0FF2A18EE}" presName="sibTrans" presStyleCnt="0"/>
-      <dgm:spPr/>
-    </dgm:pt>
-    <dgm:pt modelId="{BEF743B6-4641-4C12-A0A7-61DF24A80CB1}" type="pres">
-      <dgm:prSet presAssocID="{7C5A2AB0-93A5-4A23-B6B8-DEC24675E16B}" presName="compNode" presStyleCnt="0"/>
-      <dgm:spPr/>
-    </dgm:pt>
-    <dgm:pt modelId="{BA5949CE-8EFC-40A0-8AFA-63AB73CEF603}" type="pres">
-      <dgm:prSet presAssocID="{7C5A2AB0-93A5-4A23-B6B8-DEC24675E16B}" presName="iconBgRect" presStyleLbl="bgShp" presStyleIdx="2" presStyleCnt="4"/>
-      <dgm:spPr/>
-    </dgm:pt>
-    <dgm:pt modelId="{27D02157-0549-4301-8BD4-5073B47156A8}" type="pres">
-      <dgm:prSet presAssocID="{7C5A2AB0-93A5-4A23-B6B8-DEC24675E16B}" presName="iconRect" presStyleLbl="node1" presStyleIdx="2" presStyleCnt="4"/>
-      <dgm:spPr>
-        <a:blipFill>
-          <a:blip xmlns:r="http://schemas.openxmlformats.org/officeDocument/2006/relationships" r:embed="rId5">
-            <a:extLst>
-              <a:ext uri="{28A0092B-C50C-407E-A947-70E740481C1C}">
-                <a14:useLocalDpi xmlns:a14="http://schemas.microsoft.com/office/drawing/2010/main" val="0"/>
-              </a:ext>
-              <a:ext uri="{96DAC541-7B7A-43D3-8B79-37D633B846F1}">
-                <asvg:svgBlip xmlns:asvg="http://schemas.microsoft.com/office/drawing/2016/SVG/main" r:embed="rId6"/>
-              </a:ext>
-            </a:extLst>
-          </a:blip>
-          <a:stretch>
-            <a:fillRect/>
-          </a:stretch>
-        </a:blipFill>
-        <a:ln>
-          <a:noFill/>
-        </a:ln>
-      </dgm:spPr>
-      <dgm:extLst>
-        <a:ext uri="{E40237B7-FDA0-4F09-8148-C483321AD2D9}">
-          <dgm14:cNvPr xmlns:dgm14="http://schemas.microsoft.com/office/drawing/2010/diagram" id="0" name="" descr="Money"/>
-        </a:ext>
-      </dgm:extLst>
-    </dgm:pt>
-    <dgm:pt modelId="{2BB788E1-FD7B-4362-810B-26CDAFC682C2}" type="pres">
-      <dgm:prSet presAssocID="{7C5A2AB0-93A5-4A23-B6B8-DEC24675E16B}" presName="spaceRect" presStyleCnt="0"/>
-      <dgm:spPr/>
-    </dgm:pt>
-    <dgm:pt modelId="{DC17A7BA-1FA9-4897-891C-331B98ED75F3}" type="pres">
-      <dgm:prSet presAssocID="{7C5A2AB0-93A5-4A23-B6B8-DEC24675E16B}" presName="textRect" presStyleLbl="revTx" presStyleIdx="2" presStyleCnt="4">
-        <dgm:presLayoutVars>
-          <dgm:chMax val="1"/>
-          <dgm:chPref val="1"/>
-        </dgm:presLayoutVars>
-      </dgm:prSet>
-      <dgm:spPr/>
-    </dgm:pt>
-    <dgm:pt modelId="{F67507E4-506A-45A7-9AE2-B4BCAD1A3C87}" type="pres">
-      <dgm:prSet presAssocID="{411AE0A0-5916-4701-B810-1CCECAF1EC85}" presName="sibTrans" presStyleCnt="0"/>
-      <dgm:spPr/>
-    </dgm:pt>
-    <dgm:pt modelId="{E9B8460A-7E47-4E46-99BC-5F5A91DE0103}" type="pres">
-      <dgm:prSet presAssocID="{AD1F1CEE-D5A4-4998-9F99-AB8EF1F118F0}" presName="compNode" presStyleCnt="0"/>
-      <dgm:spPr/>
-    </dgm:pt>
-    <dgm:pt modelId="{2FCD98C3-3ED6-404F-A579-BC43FF2238EB}" type="pres">
-      <dgm:prSet presAssocID="{AD1F1CEE-D5A4-4998-9F99-AB8EF1F118F0}" presName="iconBgRect" presStyleLbl="bgShp" presStyleIdx="3" presStyleCnt="4"/>
-      <dgm:spPr/>
-    </dgm:pt>
-    <dgm:pt modelId="{DB82A325-325A-4A3F-A352-098B9ACBEDF1}" type="pres">
-      <dgm:prSet presAssocID="{AD1F1CEE-D5A4-4998-9F99-AB8EF1F118F0}" presName="iconRect" presStyleLbl="node1" presStyleIdx="3" presStyleCnt="4"/>
-      <dgm:spPr>
-        <a:blipFill>
-          <a:blip xmlns:r="http://schemas.openxmlformats.org/officeDocument/2006/relationships" r:embed="rId7">
-            <a:extLst>
-              <a:ext uri="{28A0092B-C50C-407E-A947-70E740481C1C}">
-                <a14:useLocalDpi xmlns:a14="http://schemas.microsoft.com/office/drawing/2010/main" val="0"/>
-              </a:ext>
-              <a:ext uri="{96DAC541-7B7A-43D3-8B79-37D633B846F1}">
-                <asvg:svgBlip xmlns:asvg="http://schemas.microsoft.com/office/drawing/2016/SVG/main" r:embed="rId8"/>
-              </a:ext>
-            </a:extLst>
-          </a:blip>
-          <a:stretch>
-            <a:fillRect/>
-          </a:stretch>
-        </a:blipFill>
-        <a:ln>
-          <a:noFill/>
-        </a:ln>
-      </dgm:spPr>
-      <dgm:extLst>
-        <a:ext uri="{E40237B7-FDA0-4F09-8148-C483321AD2D9}">
-          <dgm14:cNvPr xmlns:dgm14="http://schemas.microsoft.com/office/drawing/2010/diagram" id="0" name="" descr="Marker"/>
-        </a:ext>
-      </dgm:extLst>
-    </dgm:pt>
-    <dgm:pt modelId="{0FFB17FC-CDB1-4F98-9911-5907070DB724}" type="pres">
-      <dgm:prSet presAssocID="{AD1F1CEE-D5A4-4998-9F99-AB8EF1F118F0}" presName="spaceRect" presStyleCnt="0"/>
-      <dgm:spPr/>
-    </dgm:pt>
-    <dgm:pt modelId="{BE7D779F-5C50-48AF-8425-FBA44672BC53}" type="pres">
-      <dgm:prSet presAssocID="{AD1F1CEE-D5A4-4998-9F99-AB8EF1F118F0}" presName="textRect" presStyleLbl="revTx" presStyleIdx="3" presStyleCnt="4">
-        <dgm:presLayoutVars>
-          <dgm:chMax val="1"/>
-          <dgm:chPref val="1"/>
-        </dgm:presLayoutVars>
-      </dgm:prSet>
-      <dgm:spPr/>
-    </dgm:pt>
-  </dgm:ptLst>
-  <dgm:cxnLst>
-    <dgm:cxn modelId="{F737E113-4F4D-4696-BCB1-DE0CA11E7FEF}" type="presOf" srcId="{AD1F1CEE-D5A4-4998-9F99-AB8EF1F118F0}" destId="{BE7D779F-5C50-48AF-8425-FBA44672BC53}" srcOrd="0" destOrd="0" presId="urn:microsoft.com/office/officeart/2018/5/layout/IconCircleLabelList"/>
-    <dgm:cxn modelId="{1FC1E122-E402-432D-8839-9D4E706912B4}" srcId="{D23E759F-F148-423F-8D6A-09A029483D95}" destId="{F818EAB9-6520-46BE-8B55-F2FC0C4392EC}" srcOrd="1" destOrd="0" parTransId="{531E1B89-4A99-4B8E-9485-5AB4CC9BBB32}" sibTransId="{41A58BDB-7F96-4762-8C3F-A9F0FF2A18EE}"/>
-    <dgm:cxn modelId="{1F3ABD3C-64E2-4A4D-BD67-18BE326A1671}" type="presOf" srcId="{7C5A2AB0-93A5-4A23-B6B8-DEC24675E16B}" destId="{DC17A7BA-1FA9-4897-891C-331B98ED75F3}" srcOrd="0" destOrd="0" presId="urn:microsoft.com/office/officeart/2018/5/layout/IconCircleLabelList"/>
-    <dgm:cxn modelId="{15028462-3ADC-4BD9-8477-D26BD7D09747}" type="presOf" srcId="{D23E759F-F148-423F-8D6A-09A029483D95}" destId="{A1F16459-1309-4BF3-BE0B-7DC3D083FF98}" srcOrd="0" destOrd="0" presId="urn:microsoft.com/office/officeart/2018/5/layout/IconCircleLabelList"/>
-    <dgm:cxn modelId="{66BF8967-CD40-411A-B16F-875B06D5C52E}" srcId="{D23E759F-F148-423F-8D6A-09A029483D95}" destId="{AD1F1CEE-D5A4-4998-9F99-AB8EF1F118F0}" srcOrd="3" destOrd="0" parTransId="{D1DAF579-E07D-41D4-9280-CBB0862CEF6B}" sibTransId="{E50C3EEC-5DBF-4EC1-976F-2F4EC7027047}"/>
-    <dgm:cxn modelId="{1887ED52-FCC8-4CCB-A046-43D7A14F8E60}" srcId="{D23E759F-F148-423F-8D6A-09A029483D95}" destId="{97CA1830-1019-4798-9B94-E9694FCD8716}" srcOrd="0" destOrd="0" parTransId="{2EB646F1-02E7-41E4-BB04-3EBD3496EB11}" sibTransId="{8E05355D-B7A3-4546-A05E-4C7E0DE66CED}"/>
-    <dgm:cxn modelId="{720A6A86-92AC-4093-BD18-15835057FEDF}" type="presOf" srcId="{97CA1830-1019-4798-9B94-E9694FCD8716}" destId="{A091EFD7-4E67-4DA9-9730-9E4F3E3843D9}" srcOrd="0" destOrd="0" presId="urn:microsoft.com/office/officeart/2018/5/layout/IconCircleLabelList"/>
-    <dgm:cxn modelId="{4A5328B7-F5C3-4E72-85E9-C9FD012A3AF9}" type="presOf" srcId="{F818EAB9-6520-46BE-8B55-F2FC0C4392EC}" destId="{1C25D8A8-BA7D-4D74-9127-5A45301474DB}" srcOrd="0" destOrd="0" presId="urn:microsoft.com/office/officeart/2018/5/layout/IconCircleLabelList"/>
-    <dgm:cxn modelId="{45ED12ED-38CE-4FC4-BC17-EA29719920F0}" srcId="{D23E759F-F148-423F-8D6A-09A029483D95}" destId="{7C5A2AB0-93A5-4A23-B6B8-DEC24675E16B}" srcOrd="2" destOrd="0" parTransId="{CACFB044-EE45-40BE-88E4-6235775EF099}" sibTransId="{411AE0A0-5916-4701-B810-1CCECAF1EC85}"/>
-    <dgm:cxn modelId="{DFB25543-1A82-4E33-9C13-BA43F8E82222}" type="presParOf" srcId="{A1F16459-1309-4BF3-BE0B-7DC3D083FF98}" destId="{E2D9D4D0-10BF-47A2-A79F-252A0B4C1C22}" srcOrd="0" destOrd="0" presId="urn:microsoft.com/office/officeart/2018/5/layout/IconCircleLabelList"/>
-    <dgm:cxn modelId="{699747A5-EE6D-4D1F-B3D6-923BA6BD3141}" type="presParOf" srcId="{E2D9D4D0-10BF-47A2-A79F-252A0B4C1C22}" destId="{ADAE5F5B-4EEF-443A-896A-5FA5FE036364}" srcOrd="0" destOrd="0" presId="urn:microsoft.com/office/officeart/2018/5/layout/IconCircleLabelList"/>
-    <dgm:cxn modelId="{DB23F841-A2C7-4367-BD7D-92D0EC34BF8B}" type="presParOf" srcId="{E2D9D4D0-10BF-47A2-A79F-252A0B4C1C22}" destId="{B44289F7-7E84-421A-97C3-525179F06CED}" srcOrd="1" destOrd="0" presId="urn:microsoft.com/office/officeart/2018/5/layout/IconCircleLabelList"/>
-    <dgm:cxn modelId="{E6A537E4-D6E9-4BD4-BEBF-8E1EEC2A9039}" type="presParOf" srcId="{E2D9D4D0-10BF-47A2-A79F-252A0B4C1C22}" destId="{FCAF41AF-0E5A-417B-A51B-7E6D2A7FEA94}" srcOrd="2" destOrd="0" presId="urn:microsoft.com/office/officeart/2018/5/layout/IconCircleLabelList"/>
-    <dgm:cxn modelId="{C9D006BB-1FA9-48A4-94D2-DA39EFB958E9}" type="presParOf" srcId="{E2D9D4D0-10BF-47A2-A79F-252A0B4C1C22}" destId="{A091EFD7-4E67-4DA9-9730-9E4F3E3843D9}" srcOrd="3" destOrd="0" presId="urn:microsoft.com/office/officeart/2018/5/layout/IconCircleLabelList"/>
-    <dgm:cxn modelId="{5B00E9AB-ACBA-4999-95E1-EA1E16B1FE2F}" type="presParOf" srcId="{A1F16459-1309-4BF3-BE0B-7DC3D083FF98}" destId="{98648F48-EEEA-4493-9A8F-7CAC27B56D61}" srcOrd="1" destOrd="0" presId="urn:microsoft.com/office/officeart/2018/5/layout/IconCircleLabelList"/>
-    <dgm:cxn modelId="{09BA4AF8-7B71-40BA-A807-0339ED43241C}" type="presParOf" srcId="{A1F16459-1309-4BF3-BE0B-7DC3D083FF98}" destId="{68BBF1A6-7EF0-4E21-8EE4-22707257D2D6}" srcOrd="2" destOrd="0" presId="urn:microsoft.com/office/officeart/2018/5/layout/IconCircleLabelList"/>
-    <dgm:cxn modelId="{81691A61-5DBF-40E8-B773-6609AF8290D9}" type="presParOf" srcId="{68BBF1A6-7EF0-4E21-8EE4-22707257D2D6}" destId="{308B3098-ABDF-42E1-AAEE-A0922BFB79B6}" srcOrd="0" destOrd="0" presId="urn:microsoft.com/office/officeart/2018/5/layout/IconCircleLabelList"/>
-    <dgm:cxn modelId="{B56F7976-80C5-40FE-A6DE-E107C13FC996}" type="presParOf" srcId="{68BBF1A6-7EF0-4E21-8EE4-22707257D2D6}" destId="{4E73D770-C97C-4F13-BBD3-A0AD432B9F97}" srcOrd="1" destOrd="0" presId="urn:microsoft.com/office/officeart/2018/5/layout/IconCircleLabelList"/>
-    <dgm:cxn modelId="{C056DD30-D4CE-41C3-9739-54B435776892}" type="presParOf" srcId="{68BBF1A6-7EF0-4E21-8EE4-22707257D2D6}" destId="{FFECEA7A-404F-4910-AFFC-5756C0FB96FB}" srcOrd="2" destOrd="0" presId="urn:microsoft.com/office/officeart/2018/5/layout/IconCircleLabelList"/>
-    <dgm:cxn modelId="{B0B5CAE4-4237-4A9B-9298-A29117569EC1}" type="presParOf" srcId="{68BBF1A6-7EF0-4E21-8EE4-22707257D2D6}" destId="{1C25D8A8-BA7D-4D74-9127-5A45301474DB}" srcOrd="3" destOrd="0" presId="urn:microsoft.com/office/officeart/2018/5/layout/IconCircleLabelList"/>
-    <dgm:cxn modelId="{9FAE6A27-F644-4C30-A5DD-6B7DF18451DF}" type="presParOf" srcId="{A1F16459-1309-4BF3-BE0B-7DC3D083FF98}" destId="{1B1F1B26-2EEF-4A33-B673-AF7D3876BA29}" srcOrd="3" destOrd="0" presId="urn:microsoft.com/office/officeart/2018/5/layout/IconCircleLabelList"/>
-    <dgm:cxn modelId="{DEE879AC-8F38-46FB-8BB2-700A55EDDB44}" type="presParOf" srcId="{A1F16459-1309-4BF3-BE0B-7DC3D083FF98}" destId="{BEF743B6-4641-4C12-A0A7-61DF24A80CB1}" srcOrd="4" destOrd="0" presId="urn:microsoft.com/office/officeart/2018/5/layout/IconCircleLabelList"/>
-    <dgm:cxn modelId="{13E5960B-0438-4811-B034-B60C10D67C26}" type="presParOf" srcId="{BEF743B6-4641-4C12-A0A7-61DF24A80CB1}" destId="{BA5949CE-8EFC-40A0-8AFA-63AB73CEF603}" srcOrd="0" destOrd="0" presId="urn:microsoft.com/office/officeart/2018/5/layout/IconCircleLabelList"/>
-    <dgm:cxn modelId="{E0F57979-72D5-4838-8E19-14A909B508DF}" type="presParOf" srcId="{BEF743B6-4641-4C12-A0A7-61DF24A80CB1}" destId="{27D02157-0549-4301-8BD4-5073B47156A8}" srcOrd="1" destOrd="0" presId="urn:microsoft.com/office/officeart/2018/5/layout/IconCircleLabelList"/>
-    <dgm:cxn modelId="{46A93300-BBDD-45C0-A09C-A39686D4FBA8}" type="presParOf" srcId="{BEF743B6-4641-4C12-A0A7-61DF24A80CB1}" destId="{2BB788E1-FD7B-4362-810B-26CDAFC682C2}" srcOrd="2" destOrd="0" presId="urn:microsoft.com/office/officeart/2018/5/layout/IconCircleLabelList"/>
-    <dgm:cxn modelId="{0BC0C745-FAE5-4EAD-B219-BA1901C01EF9}" type="presParOf" srcId="{BEF743B6-4641-4C12-A0A7-61DF24A80CB1}" destId="{DC17A7BA-1FA9-4897-891C-331B98ED75F3}" srcOrd="3" destOrd="0" presId="urn:microsoft.com/office/officeart/2018/5/layout/IconCircleLabelList"/>
-    <dgm:cxn modelId="{F38FE099-3DEC-4922-86B1-D50BC9732581}" type="presParOf" srcId="{A1F16459-1309-4BF3-BE0B-7DC3D083FF98}" destId="{F67507E4-506A-45A7-9AE2-B4BCAD1A3C87}" srcOrd="5" destOrd="0" presId="urn:microsoft.com/office/officeart/2018/5/layout/IconCircleLabelList"/>
-    <dgm:cxn modelId="{F68CBA24-0D19-4462-A4A4-BBB93BEF0CFF}" type="presParOf" srcId="{A1F16459-1309-4BF3-BE0B-7DC3D083FF98}" destId="{E9B8460A-7E47-4E46-99BC-5F5A91DE0103}" srcOrd="6" destOrd="0" presId="urn:microsoft.com/office/officeart/2018/5/layout/IconCircleLabelList"/>
-    <dgm:cxn modelId="{7960EC92-2992-4A54-9350-02078B3678CF}" type="presParOf" srcId="{E9B8460A-7E47-4E46-99BC-5F5A91DE0103}" destId="{2FCD98C3-3ED6-404F-A579-BC43FF2238EB}" srcOrd="0" destOrd="0" presId="urn:microsoft.com/office/officeart/2018/5/layout/IconCircleLabelList"/>
-    <dgm:cxn modelId="{6A5350FC-097E-4B2C-BAE9-C5926E0312FB}" type="presParOf" srcId="{E9B8460A-7E47-4E46-99BC-5F5A91DE0103}" destId="{DB82A325-325A-4A3F-A352-098B9ACBEDF1}" srcOrd="1" destOrd="0" presId="urn:microsoft.com/office/officeart/2018/5/layout/IconCircleLabelList"/>
-    <dgm:cxn modelId="{C53A29BA-846B-48C2-9BDD-EE2D0898E115}" type="presParOf" srcId="{E9B8460A-7E47-4E46-99BC-5F5A91DE0103}" destId="{0FFB17FC-CDB1-4F98-9911-5907070DB724}" srcOrd="2" destOrd="0" presId="urn:microsoft.com/office/officeart/2018/5/layout/IconCircleLabelList"/>
-    <dgm:cxn modelId="{4E51B409-4F45-43E6-A218-B0EB957AE01A}" type="presParOf" srcId="{E9B8460A-7E47-4E46-99BC-5F5A91DE0103}" destId="{BE7D779F-5C50-48AF-8425-FBA44672BC53}" srcOrd="3" destOrd="0" presId="urn:microsoft.com/office/officeart/2018/5/layout/IconCircleLabelList"/>
-  </dgm:cxnLst>
-  <dgm:bg/>
-  <dgm:whole/>
-  <dgm:extLst>
-    <a:ext uri="http://schemas.microsoft.com/office/drawing/2008/diagram">
-      <dsp:dataModelExt xmlns:dsp="http://schemas.microsoft.com/office/drawing/2008/diagram" relId="rId6" minVer="http://schemas.openxmlformats.org/drawingml/2006/diagram"/>
-    </a:ext>
-  </dgm:extLst>
-</dgm:dataModel>
-</file>
-
-<file path=ppt/diagrams/drawing1.xml><?xml version="1.0" encoding="utf-8"?>
-<dsp:drawing xmlns:dgm="http://schemas.openxmlformats.org/drawingml/2006/diagram" xmlns:dsp="http://schemas.microsoft.com/office/drawing/2008/diagram" xmlns:a="http://schemas.openxmlformats.org/drawingml/2006/main">
-  <dsp:spTree>
-    <dsp:nvGrpSpPr>
-      <dsp:cNvPr id="0" name=""/>
-      <dsp:cNvGrpSpPr/>
-    </dsp:nvGrpSpPr>
-    <dsp:grpSpPr/>
-    <dsp:sp modelId="{ADAE5F5B-4EEF-443A-896A-5FA5FE036364}">
-      <dsp:nvSpPr>
-        <dsp:cNvPr id="0" name=""/>
-        <dsp:cNvSpPr/>
-      </dsp:nvSpPr>
-      <dsp:spPr>
-        <a:xfrm>
-          <a:off x="740776" y="53794"/>
-          <a:ext cx="1464285" cy="1464285"/>
-        </a:xfrm>
-        <a:prstGeom prst="ellipse">
-          <a:avLst/>
-        </a:prstGeom>
-        <a:solidFill>
-          <a:schemeClr val="accent2">
-            <a:hueOff val="0"/>
-            <a:satOff val="0"/>
-            <a:lumOff val="0"/>
-            <a:alphaOff val="0"/>
-          </a:schemeClr>
-        </a:solidFill>
-        <a:ln>
-          <a:noFill/>
-        </a:ln>
-        <a:effectLst/>
-      </dsp:spPr>
-      <dsp:style>
-        <a:lnRef idx="0">
-          <a:scrgbClr r="0" g="0" b="0"/>
-        </a:lnRef>
-        <a:fillRef idx="1">
-          <a:scrgbClr r="0" g="0" b="0"/>
-        </a:fillRef>
-        <a:effectRef idx="0">
-          <a:scrgbClr r="0" g="0" b="0"/>
-        </a:effectRef>
-        <a:fontRef idx="minor"/>
-      </dsp:style>
-    </dsp:sp>
-    <dsp:sp modelId="{B44289F7-7E84-421A-97C3-525179F06CED}">
-      <dsp:nvSpPr>
-        <dsp:cNvPr id="0" name=""/>
-        <dsp:cNvSpPr/>
-      </dsp:nvSpPr>
-      <dsp:spPr>
-        <a:xfrm>
-          <a:off x="1052836" y="365855"/>
-          <a:ext cx="840163" cy="840163"/>
-        </a:xfrm>
-        <a:prstGeom prst="rect">
-          <a:avLst/>
-        </a:prstGeom>
-        <a:blipFill>
-          <a:blip xmlns:r="http://schemas.openxmlformats.org/officeDocument/2006/relationships" r:embed="rId1">
-            <a:extLst>
-              <a:ext uri="{28A0092B-C50C-407E-A947-70E740481C1C}">
-                <a14:useLocalDpi xmlns:a14="http://schemas.microsoft.com/office/drawing/2010/main" val="0"/>
-              </a:ext>
-              <a:ext uri="{96DAC541-7B7A-43D3-8B79-37D633B846F1}">
-                <asvg:svgBlip xmlns:asvg="http://schemas.microsoft.com/office/drawing/2016/SVG/main" r:embed="rId2"/>
-              </a:ext>
-            </a:extLst>
-          </a:blip>
-          <a:stretch>
-            <a:fillRect/>
-          </a:stretch>
-        </a:blipFill>
-        <a:ln w="12700" cap="flat" cmpd="sng" algn="ctr">
-          <a:noFill/>
-          <a:prstDash val="solid"/>
-          <a:miter lim="800000"/>
-        </a:ln>
-        <a:effectLst/>
-      </dsp:spPr>
-      <dsp:style>
-        <a:lnRef idx="2">
-          <a:scrgbClr r="0" g="0" b="0"/>
-        </a:lnRef>
-        <a:fillRef idx="1">
-          <a:scrgbClr r="0" g="0" b="0"/>
-        </a:fillRef>
-        <a:effectRef idx="0">
-          <a:scrgbClr r="0" g="0" b="0"/>
-        </a:effectRef>
-        <a:fontRef idx="minor">
-          <a:schemeClr val="lt1"/>
-        </a:fontRef>
-      </dsp:style>
-    </dsp:sp>
-    <dsp:sp modelId="{A091EFD7-4E67-4DA9-9730-9E4F3E3843D9}">
-      <dsp:nvSpPr>
-        <dsp:cNvPr id="0" name=""/>
-        <dsp:cNvSpPr/>
-      </dsp:nvSpPr>
-      <dsp:spPr>
-        <a:xfrm>
-          <a:off x="272684" y="1974168"/>
-          <a:ext cx="2400467" cy="720000"/>
-        </a:xfrm>
-        <a:prstGeom prst="rect">
-          <a:avLst/>
-        </a:prstGeom>
-        <a:noFill/>
-        <a:ln>
-          <a:noFill/>
-        </a:ln>
-        <a:effectLst/>
-      </dsp:spPr>
-      <dsp:style>
-        <a:lnRef idx="0">
-          <a:scrgbClr r="0" g="0" b="0"/>
-        </a:lnRef>
-        <a:fillRef idx="0">
-          <a:scrgbClr r="0" g="0" b="0"/>
-        </a:fillRef>
-        <a:effectRef idx="0">
-          <a:scrgbClr r="0" g="0" b="0"/>
-        </a:effectRef>
-        <a:fontRef idx="minor"/>
-      </dsp:style>
-      <dsp:txBody>
-        <a:bodyPr spcFirstLastPara="0" vert="horz" wrap="square" lIns="0" tIns="0" rIns="0" bIns="0" numCol="1" spcCol="1270" anchor="t" anchorCtr="0">
-          <a:noAutofit/>
-        </a:bodyPr>
-        <a:lstStyle/>
-        <a:p>
-          <a:pPr marL="0" lvl="0" indent="0" algn="ctr" defTabSz="666750">
-            <a:lnSpc>
-              <a:spcPct val="100000"/>
-            </a:lnSpc>
-            <a:spcBef>
-              <a:spcPct val="0"/>
-            </a:spcBef>
-            <a:spcAft>
-              <a:spcPct val="35000"/>
-            </a:spcAft>
-            <a:buNone/>
-            <a:defRPr cap="all"/>
-          </a:pPr>
-          <a:r>
-            <a:rPr lang="en-US" sz="1500" kern="1200"/>
-            <a:t>Days open last year</a:t>
-          </a:r>
-        </a:p>
-      </dsp:txBody>
-      <dsp:txXfrm>
-        <a:off x="272684" y="1974168"/>
-        <a:ext cx="2400467" cy="720000"/>
-      </dsp:txXfrm>
-    </dsp:sp>
-    <dsp:sp modelId="{308B3098-ABDF-42E1-AAEE-A0922BFB79B6}">
-      <dsp:nvSpPr>
-        <dsp:cNvPr id="0" name=""/>
-        <dsp:cNvSpPr/>
-      </dsp:nvSpPr>
-      <dsp:spPr>
-        <a:xfrm>
-          <a:off x="3561325" y="53794"/>
-          <a:ext cx="1464285" cy="1464285"/>
-        </a:xfrm>
-        <a:prstGeom prst="ellipse">
-          <a:avLst/>
-        </a:prstGeom>
-        <a:solidFill>
-          <a:schemeClr val="accent3">
-            <a:hueOff val="0"/>
-            <a:satOff val="0"/>
-            <a:lumOff val="0"/>
-            <a:alphaOff val="0"/>
-          </a:schemeClr>
-        </a:solidFill>
-        <a:ln>
-          <a:noFill/>
-        </a:ln>
-        <a:effectLst/>
-      </dsp:spPr>
-      <dsp:style>
-        <a:lnRef idx="0">
-          <a:scrgbClr r="0" g="0" b="0"/>
-        </a:lnRef>
-        <a:fillRef idx="1">
-          <a:scrgbClr r="0" g="0" b="0"/>
-        </a:fillRef>
-        <a:effectRef idx="0">
-          <a:scrgbClr r="0" g="0" b="0"/>
-        </a:effectRef>
-        <a:fontRef idx="minor"/>
-      </dsp:style>
-    </dsp:sp>
-    <dsp:sp modelId="{4E73D770-C97C-4F13-BBD3-A0AD432B9F97}">
-      <dsp:nvSpPr>
-        <dsp:cNvPr id="0" name=""/>
-        <dsp:cNvSpPr/>
-      </dsp:nvSpPr>
-      <dsp:spPr>
-        <a:xfrm>
-          <a:off x="3873386" y="365855"/>
-          <a:ext cx="840163" cy="840163"/>
-        </a:xfrm>
-        <a:prstGeom prst="rect">
-          <a:avLst/>
-        </a:prstGeom>
-        <a:blipFill>
-          <a:blip xmlns:r="http://schemas.openxmlformats.org/officeDocument/2006/relationships" r:embed="rId3">
-            <a:extLst>
-              <a:ext uri="{28A0092B-C50C-407E-A947-70E740481C1C}">
-                <a14:useLocalDpi xmlns:a14="http://schemas.microsoft.com/office/drawing/2010/main" val="0"/>
-              </a:ext>
-              <a:ext uri="{96DAC541-7B7A-43D3-8B79-37D633B846F1}">
-                <asvg:svgBlip xmlns:asvg="http://schemas.microsoft.com/office/drawing/2016/SVG/main" r:embed="rId4"/>
-              </a:ext>
-            </a:extLst>
-          </a:blip>
-          <a:stretch>
-            <a:fillRect/>
-          </a:stretch>
-        </a:blipFill>
-        <a:ln w="12700" cap="flat" cmpd="sng" algn="ctr">
-          <a:noFill/>
-          <a:prstDash val="solid"/>
-          <a:miter lim="800000"/>
-        </a:ln>
-        <a:effectLst/>
-      </dsp:spPr>
-      <dsp:style>
-        <a:lnRef idx="2">
-          <a:scrgbClr r="0" g="0" b="0"/>
-        </a:lnRef>
-        <a:fillRef idx="1">
-          <a:scrgbClr r="0" g="0" b="0"/>
-        </a:fillRef>
-        <a:effectRef idx="0">
-          <a:scrgbClr r="0" g="0" b="0"/>
-        </a:effectRef>
-        <a:fontRef idx="minor">
-          <a:schemeClr val="lt1"/>
-        </a:fontRef>
-      </dsp:style>
-    </dsp:sp>
-    <dsp:sp modelId="{1C25D8A8-BA7D-4D74-9127-5A45301474DB}">
-      <dsp:nvSpPr>
-        <dsp:cNvPr id="0" name=""/>
-        <dsp:cNvSpPr/>
-      </dsp:nvSpPr>
-      <dsp:spPr>
-        <a:xfrm>
-          <a:off x="3093234" y="1974168"/>
-          <a:ext cx="2400467" cy="720000"/>
-        </a:xfrm>
-        <a:prstGeom prst="rect">
-          <a:avLst/>
-        </a:prstGeom>
-        <a:noFill/>
-        <a:ln>
-          <a:noFill/>
-        </a:ln>
-        <a:effectLst/>
-      </dsp:spPr>
-      <dsp:style>
-        <a:lnRef idx="0">
-          <a:scrgbClr r="0" g="0" b="0"/>
-        </a:lnRef>
-        <a:fillRef idx="0">
-          <a:scrgbClr r="0" g="0" b="0"/>
-        </a:fillRef>
-        <a:effectRef idx="0">
-          <a:scrgbClr r="0" g="0" b="0"/>
-        </a:effectRef>
-        <a:fontRef idx="minor"/>
-      </dsp:style>
-      <dsp:txBody>
-        <a:bodyPr spcFirstLastPara="0" vert="horz" wrap="square" lIns="0" tIns="0" rIns="0" bIns="0" numCol="1" spcCol="1270" anchor="t" anchorCtr="0">
-          <a:noAutofit/>
-        </a:bodyPr>
-        <a:lstStyle/>
-        <a:p>
-          <a:pPr marL="0" lvl="0" indent="0" algn="ctr" defTabSz="666750">
-            <a:lnSpc>
-              <a:spcPct val="100000"/>
-            </a:lnSpc>
-            <a:spcBef>
-              <a:spcPct val="0"/>
-            </a:spcBef>
-            <a:spcAft>
-              <a:spcPct val="35000"/>
-            </a:spcAft>
-            <a:buNone/>
-            <a:defRPr cap="all"/>
-          </a:pPr>
-          <a:r>
-            <a:rPr lang="en-US" sz="1500" kern="1200"/>
-            <a:t>Vertical change in elevation from the summit to the base in feet</a:t>
-          </a:r>
-        </a:p>
-      </dsp:txBody>
-      <dsp:txXfrm>
-        <a:off x="3093234" y="1974168"/>
-        <a:ext cx="2400467" cy="720000"/>
-      </dsp:txXfrm>
-    </dsp:sp>
-    <dsp:sp modelId="{BA5949CE-8EFC-40A0-8AFA-63AB73CEF603}">
-      <dsp:nvSpPr>
-        <dsp:cNvPr id="0" name=""/>
-        <dsp:cNvSpPr/>
-      </dsp:nvSpPr>
-      <dsp:spPr>
-        <a:xfrm>
-          <a:off x="6381875" y="53794"/>
-          <a:ext cx="1464285" cy="1464285"/>
-        </a:xfrm>
-        <a:prstGeom prst="ellipse">
-          <a:avLst/>
-        </a:prstGeom>
-        <a:solidFill>
-          <a:schemeClr val="accent4">
-            <a:hueOff val="0"/>
-            <a:satOff val="0"/>
-            <a:lumOff val="0"/>
-            <a:alphaOff val="0"/>
-          </a:schemeClr>
-        </a:solidFill>
-        <a:ln>
-          <a:noFill/>
-        </a:ln>
-        <a:effectLst/>
-      </dsp:spPr>
-      <dsp:style>
-        <a:lnRef idx="0">
-          <a:scrgbClr r="0" g="0" b="0"/>
-        </a:lnRef>
-        <a:fillRef idx="1">
-          <a:scrgbClr r="0" g="0" b="0"/>
-        </a:fillRef>
-        <a:effectRef idx="0">
-          <a:scrgbClr r="0" g="0" b="0"/>
-        </a:effectRef>
-        <a:fontRef idx="minor"/>
-      </dsp:style>
-    </dsp:sp>
-    <dsp:sp modelId="{27D02157-0549-4301-8BD4-5073B47156A8}">
-      <dsp:nvSpPr>
-        <dsp:cNvPr id="0" name=""/>
-        <dsp:cNvSpPr/>
-      </dsp:nvSpPr>
-      <dsp:spPr>
-        <a:xfrm>
-          <a:off x="6693936" y="365855"/>
-          <a:ext cx="840163" cy="840163"/>
-        </a:xfrm>
-        <a:prstGeom prst="rect">
-          <a:avLst/>
-        </a:prstGeom>
-        <a:blipFill>
-          <a:blip xmlns:r="http://schemas.openxmlformats.org/officeDocument/2006/relationships" r:embed="rId5">
-            <a:extLst>
-              <a:ext uri="{28A0092B-C50C-407E-A947-70E740481C1C}">
-                <a14:useLocalDpi xmlns:a14="http://schemas.microsoft.com/office/drawing/2010/main" val="0"/>
-              </a:ext>
-              <a:ext uri="{96DAC541-7B7A-43D3-8B79-37D633B846F1}">
-                <asvg:svgBlip xmlns:asvg="http://schemas.microsoft.com/office/drawing/2016/SVG/main" r:embed="rId6"/>
-              </a:ext>
-            </a:extLst>
-          </a:blip>
-          <a:stretch>
-            <a:fillRect/>
-          </a:stretch>
-        </a:blipFill>
-        <a:ln w="12700" cap="flat" cmpd="sng" algn="ctr">
-          <a:noFill/>
-          <a:prstDash val="solid"/>
-          <a:miter lim="800000"/>
-        </a:ln>
-        <a:effectLst/>
-      </dsp:spPr>
-      <dsp:style>
-        <a:lnRef idx="2">
-          <a:scrgbClr r="0" g="0" b="0"/>
-        </a:lnRef>
-        <a:fillRef idx="1">
-          <a:scrgbClr r="0" g="0" b="0"/>
-        </a:fillRef>
-        <a:effectRef idx="0">
-          <a:scrgbClr r="0" g="0" b="0"/>
-        </a:effectRef>
-        <a:fontRef idx="minor">
-          <a:schemeClr val="lt1"/>
-        </a:fontRef>
-      </dsp:style>
-    </dsp:sp>
-    <dsp:sp modelId="{DC17A7BA-1FA9-4897-891C-331B98ED75F3}">
-      <dsp:nvSpPr>
-        <dsp:cNvPr id="0" name=""/>
-        <dsp:cNvSpPr/>
-      </dsp:nvSpPr>
-      <dsp:spPr>
-        <a:xfrm>
-          <a:off x="5913784" y="1974168"/>
-          <a:ext cx="2400467" cy="720000"/>
-        </a:xfrm>
-        <a:prstGeom prst="rect">
-          <a:avLst/>
-        </a:prstGeom>
-        <a:noFill/>
-        <a:ln>
-          <a:noFill/>
-        </a:ln>
-        <a:effectLst/>
-      </dsp:spPr>
-      <dsp:style>
-        <a:lnRef idx="0">
-          <a:scrgbClr r="0" g="0" b="0"/>
-        </a:lnRef>
-        <a:fillRef idx="0">
-          <a:scrgbClr r="0" g="0" b="0"/>
-        </a:fillRef>
-        <a:effectRef idx="0">
-          <a:scrgbClr r="0" g="0" b="0"/>
-        </a:effectRef>
-        <a:fontRef idx="minor"/>
-      </dsp:style>
-      <dsp:txBody>
-        <a:bodyPr spcFirstLastPara="0" vert="horz" wrap="square" lIns="0" tIns="0" rIns="0" bIns="0" numCol="1" spcCol="1270" anchor="t" anchorCtr="0">
-          <a:noAutofit/>
-        </a:bodyPr>
-        <a:lstStyle/>
-        <a:p>
-          <a:pPr marL="0" lvl="0" indent="0" algn="ctr" defTabSz="666750">
-            <a:lnSpc>
-              <a:spcPct val="100000"/>
-            </a:lnSpc>
-            <a:spcBef>
-              <a:spcPct val="0"/>
-            </a:spcBef>
-            <a:spcAft>
-              <a:spcPct val="35000"/>
-            </a:spcAft>
-            <a:buNone/>
-            <a:defRPr cap="all"/>
-          </a:pPr>
-          <a:r>
-            <a:rPr lang="en-US" sz="1500" kern="1200"/>
-            <a:t>Cost of adult weekday chairlift ticket</a:t>
-          </a:r>
-        </a:p>
-      </dsp:txBody>
-      <dsp:txXfrm>
-        <a:off x="5913784" y="1974168"/>
-        <a:ext cx="2400467" cy="720000"/>
-      </dsp:txXfrm>
-    </dsp:sp>
-    <dsp:sp modelId="{2FCD98C3-3ED6-404F-A579-BC43FF2238EB}">
-      <dsp:nvSpPr>
-        <dsp:cNvPr id="0" name=""/>
-        <dsp:cNvSpPr/>
-      </dsp:nvSpPr>
-      <dsp:spPr>
-        <a:xfrm>
-          <a:off x="9202425" y="53794"/>
-          <a:ext cx="1464285" cy="1464285"/>
-        </a:xfrm>
-        <a:prstGeom prst="ellipse">
-          <a:avLst/>
-        </a:prstGeom>
-        <a:solidFill>
-          <a:schemeClr val="accent5">
-            <a:hueOff val="0"/>
-            <a:satOff val="0"/>
-            <a:lumOff val="0"/>
-            <a:alphaOff val="0"/>
-          </a:schemeClr>
-        </a:solidFill>
-        <a:ln>
-          <a:noFill/>
-        </a:ln>
-        <a:effectLst/>
-      </dsp:spPr>
-      <dsp:style>
-        <a:lnRef idx="0">
-          <a:scrgbClr r="0" g="0" b="0"/>
-        </a:lnRef>
-        <a:fillRef idx="1">
-          <a:scrgbClr r="0" g="0" b="0"/>
-        </a:fillRef>
-        <a:effectRef idx="0">
-          <a:scrgbClr r="0" g="0" b="0"/>
-        </a:effectRef>
-        <a:fontRef idx="minor"/>
-      </dsp:style>
-    </dsp:sp>
-    <dsp:sp modelId="{DB82A325-325A-4A3F-A352-098B9ACBEDF1}">
-      <dsp:nvSpPr>
-        <dsp:cNvPr id="0" name=""/>
-        <dsp:cNvSpPr/>
-      </dsp:nvSpPr>
-      <dsp:spPr>
-        <a:xfrm>
-          <a:off x="9514486" y="365855"/>
-          <a:ext cx="840163" cy="840163"/>
-        </a:xfrm>
-        <a:prstGeom prst="rect">
-          <a:avLst/>
-        </a:prstGeom>
-        <a:blipFill>
-          <a:blip xmlns:r="http://schemas.openxmlformats.org/officeDocument/2006/relationships" r:embed="rId7">
-            <a:extLst>
-              <a:ext uri="{28A0092B-C50C-407E-A947-70E740481C1C}">
-                <a14:useLocalDpi xmlns:a14="http://schemas.microsoft.com/office/drawing/2010/main" val="0"/>
-              </a:ext>
-              <a:ext uri="{96DAC541-7B7A-43D3-8B79-37D633B846F1}">
-                <asvg:svgBlip xmlns:asvg="http://schemas.microsoft.com/office/drawing/2016/SVG/main" r:embed="rId8"/>
-              </a:ext>
-            </a:extLst>
-          </a:blip>
-          <a:stretch>
-            <a:fillRect/>
-          </a:stretch>
-        </a:blipFill>
-        <a:ln w="12700" cap="flat" cmpd="sng" algn="ctr">
-          <a:noFill/>
-          <a:prstDash val="solid"/>
-          <a:miter lim="800000"/>
-        </a:ln>
-        <a:effectLst/>
-      </dsp:spPr>
-      <dsp:style>
-        <a:lnRef idx="2">
-          <a:scrgbClr r="0" g="0" b="0"/>
-        </a:lnRef>
-        <a:fillRef idx="1">
-          <a:scrgbClr r="0" g="0" b="0"/>
-        </a:fillRef>
-        <a:effectRef idx="0">
-          <a:scrgbClr r="0" g="0" b="0"/>
-        </a:effectRef>
-        <a:fontRef idx="minor">
-          <a:schemeClr val="lt1"/>
-        </a:fontRef>
-      </dsp:style>
-    </dsp:sp>
-    <dsp:sp modelId="{BE7D779F-5C50-48AF-8425-FBA44672BC53}">
-      <dsp:nvSpPr>
-        <dsp:cNvPr id="0" name=""/>
-        <dsp:cNvSpPr/>
-      </dsp:nvSpPr>
-      <dsp:spPr>
-        <a:xfrm>
-          <a:off x="8734334" y="1974168"/>
-          <a:ext cx="2400467" cy="720000"/>
-        </a:xfrm>
-        <a:prstGeom prst="rect">
-          <a:avLst/>
-        </a:prstGeom>
-        <a:noFill/>
-        <a:ln>
-          <a:noFill/>
-        </a:ln>
-        <a:effectLst/>
-      </dsp:spPr>
-      <dsp:style>
-        <a:lnRef idx="0">
-          <a:scrgbClr r="0" g="0" b="0"/>
-        </a:lnRef>
-        <a:fillRef idx="0">
-          <a:scrgbClr r="0" g="0" b="0"/>
-        </a:fillRef>
-        <a:effectRef idx="0">
-          <a:scrgbClr r="0" g="0" b="0"/>
-        </a:effectRef>
-        <a:fontRef idx="minor"/>
-      </dsp:style>
-      <dsp:txBody>
-        <a:bodyPr spcFirstLastPara="0" vert="horz" wrap="square" lIns="0" tIns="0" rIns="0" bIns="0" numCol="1" spcCol="1270" anchor="t" anchorCtr="0">
-          <a:noAutofit/>
-        </a:bodyPr>
-        <a:lstStyle/>
-        <a:p>
-          <a:pPr marL="0" lvl="0" indent="0" algn="ctr" defTabSz="666750">
-            <a:lnSpc>
-              <a:spcPct val="100000"/>
-            </a:lnSpc>
-            <a:spcBef>
-              <a:spcPct val="0"/>
-            </a:spcBef>
-            <a:spcAft>
-              <a:spcPct val="35000"/>
-            </a:spcAft>
-            <a:buNone/>
-            <a:defRPr cap="all"/>
-          </a:pPr>
-          <a:r>
-            <a:rPr lang="en-US" sz="1500" kern="1200"/>
-            <a:t>Number of runs in the resort</a:t>
-          </a:r>
-        </a:p>
-      </dsp:txBody>
-      <dsp:txXfrm>
-        <a:off x="8734334" y="1974168"/>
-        <a:ext cx="2400467" cy="720000"/>
-      </dsp:txXfrm>
-    </dsp:sp>
-  </dsp:spTree>
-</dsp:drawing>
-</file>
-
-<file path=ppt/diagrams/layout1.xml><?xml version="1.0" encoding="utf-8"?>
-<dgm:layoutDef xmlns:dgm="http://schemas.openxmlformats.org/drawingml/2006/diagram" xmlns:a="http://schemas.openxmlformats.org/drawingml/2006/main" uniqueId="urn:microsoft.com/office/officeart/2018/5/layout/IconCircleLabelList">
-  <dgm:title val="Icon Circle Label List"/>
-  <dgm:desc val="Use to show non-sequential or grouped chunks of information accompanied by a related visuals. Works best with icons or small pictures with short text captions."/>
-  <dgm:catLst>
-    <dgm:cat type="icon" pri="500"/>
-  </dgm:catLst>
-  <dgm:sampData useDef="1">
-    <dgm:dataModel>
-      <dgm:ptLst/>
-      <dgm:bg/>
-      <dgm:whole/>
-    </dgm:dataModel>
-  </dgm:sampData>
-  <dgm:styleData useDef="1">
-    <dgm:dataModel>
-      <dgm:ptLst/>
-      <dgm:bg/>
-      <dgm:whole/>
-    </dgm:dataModel>
-  </dgm:styleData>
-  <dgm:clrData useDef="1">
-    <dgm:dataModel>
-      <dgm:ptLst/>
-      <dgm:bg/>
-      <dgm:whole/>
-    </dgm:dataModel>
-  </dgm:clrData>
-  <dgm:layoutNode name="root">
-    <dgm:varLst>
-      <dgm:dir/>
-      <dgm:resizeHandles val="exact"/>
-    </dgm:varLst>
-    <dgm:choose name="Name0">
-      <dgm:if name="Name1" axis="self" func="var" arg="dir" op="equ" val="norm">
-        <dgm:alg type="snake">
-          <dgm:param type="grDir" val="tL"/>
-          <dgm:param type="flowDir" val="row"/>
-          <dgm:param type="contDir" val="sameDir"/>
-          <dgm:param type="off" val="ctr"/>
-          <dgm:param type="vertAlign" val="mid"/>
-          <dgm:param type="horzAlign" val="ctr"/>
-        </dgm:alg>
-      </dgm:if>
-      <dgm:else name="Name2">
-        <dgm:alg type="snake">
-          <dgm:param type="grDir" val="tR"/>
-          <dgm:param type="flowDir" val="row"/>
-          <dgm:param type="contDir" val="sameDir"/>
-          <dgm:param type="off" val="ctr"/>
-          <dgm:param type="vertAlign" val="mid"/>
-          <dgm:param type="horzAlign" val="ctr"/>
-        </dgm:alg>
-      </dgm:else>
-    </dgm:choose>
-    <dgm:shape xmlns:r="http://schemas.openxmlformats.org/officeDocument/2006/relationships" r:blip="">
-      <dgm:adjLst/>
-    </dgm:shape>
-    <dgm:presOf/>
-    <dgm:choose name="Name3">
-      <dgm:if name="Name4" axis="ch" ptType="node" func="cnt" op="lte" val="2">
-        <dgm:constrLst>
-          <dgm:constr type="h" for="ch" forName="compNode" refType="h" fact="0.4"/>
-          <dgm:constr type="w" for="ch" forName="compNode" val="100"/>
-          <dgm:constr type="w" for="ch" forName="sibTrans" refType="w" refFor="ch" refForName="compNode" fact="0.175"/>
-          <dgm:constr type="sp" refType="w" refFor="ch" refForName="compNode" op="equ" fact="0.25"/>
-          <dgm:constr type="primFontSz" for="des" ptType="node" op="equ" val="44"/>
-          <dgm:constr type="h" for="des" forName="compNode" op="equ"/>
-          <dgm:constr type="h" for="des" forName="textRect" op="equ"/>
-        </dgm:constrLst>
-      </dgm:if>
-      <dgm:if name="Name5" axis="ch" ptType="node" func="cnt" op="lte" val="3">
-        <dgm:constrLst>
-          <dgm:constr type="h" for="ch" forName="compNode" refType="h" fact="0.4"/>
-          <dgm:constr type="w" for="ch" forName="compNode" val="100"/>
-          <dgm:constr type="w" for="ch" forName="sibTrans" refType="w" refFor="ch" refForName="compNode" fact="0.175"/>
-          <dgm:constr type="sp" refType="w" refFor="ch" refForName="compNode" op="equ" fact="0.25"/>
-          <dgm:constr type="primFontSz" for="des" ptType="node" op="equ" val="40"/>
-          <dgm:constr type="h" for="des" forName="compNode" op="equ"/>
-          <dgm:constr type="h" for="des" forName="textRect" op="equ"/>
-        </dgm:constrLst>
-      </dgm:if>
-      <dgm:if name="Name6" axis="ch" ptType="node" func="cnt" op="lte" val="4">
-        <dgm:constrLst>
-          <dgm:constr type="h" for="ch" forName="compNode" refType="h" fact="0.4"/>
-          <dgm:constr type="w" for="ch" forName="compNode" refType="w"/>
-          <dgm:constr type="w" for="ch" forName="sibTrans" refType="w" refFor="ch" refForName="compNode" fact="0.175"/>
-          <dgm:constr type="sp" refType="w" refFor="ch" refForName="compNode" op="equ" fact="0.25"/>
-          <dgm:constr type="primFontSz" for="des" ptType="node" op="equ" val="32"/>
-          <dgm:constr type="h" for="des" forName="compNode" op="equ"/>
-          <dgm:constr type="h" for="des" forName="textRect" op="equ"/>
-        </dgm:constrLst>
-      </dgm:if>
-      <dgm:else name="Name7">
-        <dgm:constrLst>
-          <dgm:constr type="h" for="ch" forName="compNode" refType="h" fact="0.4"/>
-          <dgm:constr type="w" for="ch" forName="compNode" refType="w"/>
-          <dgm:constr type="w" for="ch" forName="sibTrans" refType="w" refFor="ch" refForName="compNode" fact="0.175"/>
-          <dgm:constr type="sp" refType="w" refFor="ch" refForName="compNode" op="equ" fact="0.25"/>
-          <dgm:constr type="primFontSz" for="des" ptType="node" op="equ" val="24"/>
-          <dgm:constr type="h" for="des" forName="compNode" op="equ"/>
-          <dgm:constr type="h" for="des" forName="textRect" op="equ"/>
-        </dgm:constrLst>
-      </dgm:else>
-    </dgm:choose>
-    <dgm:ruleLst>
-      <dgm:rule type="w" for="ch" forName="compNode" val="50" fact="NaN" max="NaN"/>
-    </dgm:ruleLst>
-    <dgm:forEach name="Name8" axis="ch" ptType="node">
-      <dgm:layoutNode name="compNode">
-        <dgm:alg type="composite"/>
-        <dgm:shape xmlns:r="http://schemas.openxmlformats.org/officeDocument/2006/relationships" r:blip="">
-          <dgm:adjLst/>
-        </dgm:shape>
-        <dgm:presOf axis="self"/>
-        <dgm:constrLst>
-          <dgm:constr type="w" for="ch" forName="iconBgRect" refType="w" fact="0.61"/>
-          <dgm:constr type="h" for="ch" forName="iconBgRect" refType="w" refFor="ch" refForName="iconBgRect"/>
-          <dgm:constr type="t" for="ch" forName="iconBgRect"/>
-          <dgm:constr type="ctrX" for="ch" forName="iconBgRect" refType="w" fact="0.5"/>
-          <dgm:constr type="w" for="ch" forName="iconRect" refType="w" fact="0.35"/>
-          <dgm:constr type="h" for="ch" forName="iconRect" refType="w" refFor="ch" refForName="iconRect"/>
-          <dgm:constr type="ctrX" for="ch" forName="iconRect" refType="ctrX" refFor="ch" refForName="iconBgRect"/>
-          <dgm:constr type="ctrY" for="ch" forName="iconRect" refType="ctrY" refFor="ch" refForName="iconBgRect"/>
-          <dgm:constr type="h" for="ch" forName="spaceRect" refType="w" fact="0.19"/>
-          <dgm:constr type="w" for="ch" forName="spaceRect" refType="w"/>
-          <dgm:constr type="l" for="ch" forName="spaceRect"/>
-          <dgm:constr type="t" for="ch" forName="spaceRect" refType="b" refFor="ch" refForName="iconBgRect"/>
-          <dgm:constr type="h" for="ch" forName="textRect" val="20"/>
-          <dgm:constr type="w" for="ch" forName="textRect" refType="w"/>
-          <dgm:constr type="l" for="ch" forName="textRect"/>
-          <dgm:constr type="t" for="ch" forName="textRect" refType="b" refFor="ch" refForName="spaceRect"/>
-        </dgm:constrLst>
-        <dgm:ruleLst>
-          <dgm:rule type="h" val="INF" fact="NaN" max="NaN"/>
-        </dgm:ruleLst>
-        <dgm:layoutNode name="iconBgRect" styleLbl="bgShp">
-          <dgm:alg type="sp"/>
-          <dgm:shape xmlns:r="http://schemas.openxmlformats.org/officeDocument/2006/relationships" type="ellipse" r:blip="">
-            <dgm:adjLst/>
-          </dgm:shape>
-          <dgm:presOf/>
-          <dgm:constrLst/>
-          <dgm:ruleLst/>
-        </dgm:layoutNode>
-        <dgm:layoutNode name="iconRect" styleLbl="node1">
-          <dgm:alg type="sp"/>
-          <dgm:shape xmlns:r="http://schemas.openxmlformats.org/officeDocument/2006/relationships" type="rect" r:blip="" blipPhldr="1">
-            <dgm:adjLst/>
-          </dgm:shape>
-          <dgm:presOf/>
-          <dgm:constrLst/>
-          <dgm:ruleLst/>
-        </dgm:layoutNode>
-        <dgm:layoutNode name="spaceRect">
-          <dgm:alg type="sp"/>
-          <dgm:shape xmlns:r="http://schemas.openxmlformats.org/officeDocument/2006/relationships" r:blip="">
-            <dgm:adjLst/>
-          </dgm:shape>
-          <dgm:presOf/>
-          <dgm:constrLst/>
-          <dgm:ruleLst/>
-        </dgm:layoutNode>
-        <dgm:layoutNode name="textRect" styleLbl="revTx">
-          <dgm:varLst>
-            <dgm:chMax val="1"/>
-            <dgm:chPref val="1"/>
-          </dgm:varLst>
-          <dgm:alg type="tx">
-            <dgm:param type="txAnchorVert" val="t"/>
-          </dgm:alg>
-          <dgm:shape xmlns:r="http://schemas.openxmlformats.org/officeDocument/2006/relationships" type="rect" r:blip="">
-            <dgm:adjLst/>
-          </dgm:shape>
-          <dgm:presOf axis="self" ptType="node"/>
-          <dgm:constrLst>
-            <dgm:constr type="lMarg"/>
-            <dgm:constr type="rMarg"/>
-            <dgm:constr type="tMarg"/>
-            <dgm:constr type="bMarg"/>
-          </dgm:constrLst>
-          <dgm:ruleLst>
-            <dgm:rule type="primFontSz" val="11" fact="NaN" max="NaN"/>
-            <dgm:rule type="h" val="INF" fact="NaN" max="NaN"/>
-          </dgm:ruleLst>
-        </dgm:layoutNode>
-      </dgm:layoutNode>
-      <dgm:forEach name="Name9" axis="followSib" ptType="sibTrans" cnt="1">
-        <dgm:layoutNode name="sibTrans">
-          <dgm:alg type="sp"/>
-          <dgm:shape xmlns:r="http://schemas.openxmlformats.org/officeDocument/2006/relationships" r:blip="">
-            <dgm:adjLst/>
-          </dgm:shape>
-          <dgm:presOf axis="self"/>
-          <dgm:constrLst/>
-          <dgm:ruleLst/>
-        </dgm:layoutNode>
-      </dgm:forEach>
-    </dgm:forEach>
-  </dgm:layoutNode>
-  <dgm:extLst>
-    <a:ext uri="{68A01E43-0DF5-4B5B-8FA6-DAF915123BFB}">
-      <dgm1612:lstStyle xmlns:dgm1612="http://schemas.microsoft.com/office/drawing/2016/12/diagram">
-        <a:lvl1pPr>
-          <a:lnSpc>
-            <a:spcPct val="100000"/>
-          </a:lnSpc>
-          <a:defRPr cap="all"/>
-        </a:lvl1pPr>
-      </dgm1612:lstStyle>
-    </a:ext>
-  </dgm:extLst>
-</dgm:layoutDef>
-</file>
-
-<file path=ppt/diagrams/quickStyle1.xml><?xml version="1.0" encoding="utf-8"?>
-<dgm:styleDef xmlns:dgm="http://schemas.openxmlformats.org/drawingml/2006/diagram" xmlns:a="http://schemas.openxmlformats.org/drawingml/2006/main" uniqueId="urn:microsoft.com/office/officeart/2005/8/quickstyle/simple1">
-  <dgm:title val=""/>
-  <dgm:desc val=""/>
-  <dgm:catLst>
-    <dgm:cat type="simple" pri="10100"/>
-  </dgm:catLst>
-  <dgm:scene3d>
-    <a:camera prst="orthographicFront"/>
-    <a:lightRig rig="threePt" dir="t"/>
-  </dgm:scene3d>
-  <dgm:styleLbl name="node0">
-    <dgm:scene3d>
-      <a:camera prst="orthographicFront"/>
-      <a:lightRig rig="threePt" dir="t"/>
-    </dgm:scene3d>
-    <dgm:sp3d/>
-    <dgm:txPr/>
-    <dgm:style>
-      <a:lnRef idx="2">
-        <a:scrgbClr r="0" g="0" b="0"/>
-      </a:lnRef>
-      <a:fillRef idx="1">
-        <a:scrgbClr r="0" g="0" b="0"/>
-      </a:fillRef>
-      <a:effectRef idx="0">
-        <a:scrgbClr r="0" g="0" b="0"/>
-      </a:effectRef>
-      <a:fontRef idx="minor">
-        <a:schemeClr val="lt1"/>
-      </a:fontRef>
-    </dgm:style>
-  </dgm:styleLbl>
-  <dgm:styleLbl name="lnNode1">
-    <dgm:scene3d>
-      <a:camera prst="orthographicFront"/>
-      <a:lightRig rig="threePt" dir="t"/>
-    </dgm:scene3d>
-    <dgm:sp3d/>
-    <dgm:txPr/>
-    <dgm:style>
-      <a:lnRef idx="2">
-        <a:scrgbClr r="0" g="0" b="0"/>
-      </a:lnRef>
-      <a:fillRef idx="1">
-        <a:scrgbClr r="0" g="0" b="0"/>
-      </a:fillRef>
-      <a:effectRef idx="0">
-        <a:scrgbClr r="0" g="0" b="0"/>
-      </a:effectRef>
-      <a:fontRef idx="minor">
-        <a:schemeClr val="lt1"/>
-      </a:fontRef>
-    </dgm:style>
-  </dgm:styleLbl>
-  <dgm:styleLbl name="vennNode1">
-    <dgm:scene3d>
-      <a:camera prst="orthographicFront"/>
-      <a:lightRig rig="threePt" dir="t"/>
-    </dgm:scene3d>
-    <dgm:sp3d/>
-    <dgm:txPr/>
-    <dgm:style>
-      <a:lnRef idx="2">
-        <a:scrgbClr r="0" g="0" b="0"/>
-      </a:lnRef>
-      <a:fillRef idx="1">
-        <a:scrgbClr r="0" g="0" b="0"/>
-      </a:fillRef>
-      <a:effectRef idx="0">
-        <a:scrgbClr r="0" g="0" b="0"/>
-      </a:effectRef>
-      <a:fontRef idx="minor">
-        <a:schemeClr val="tx1"/>
-      </a:fontRef>
-    </dgm:style>
-  </dgm:styleLbl>
-  <dgm:styleLbl name="alignNode1">
-    <dgm:scene3d>
-      <a:camera prst="orthographicFront"/>
-      <a:lightRig rig="threePt" dir="t"/>
-    </dgm:scene3d>
-    <dgm:sp3d/>
-    <dgm:txPr/>
-    <dgm:style>
-      <a:lnRef idx="2">
-        <a:scrgbClr r="0" g="0" b="0"/>
-      </a:lnRef>
-      <a:fillRef idx="1">
-        <a:scrgbClr r="0" g="0" b="0"/>
-      </a:fillRef>
-      <a:effectRef idx="0">
-        <a:scrgbClr r="0" g="0" b="0"/>
-      </a:effectRef>
-      <a:fontRef idx="minor">
-        <a:schemeClr val="lt1"/>
-      </a:fontRef>
-    </dgm:style>
-  </dgm:styleLbl>
-  <dgm:styleLbl name="node1">
-    <dgm:scene3d>
-      <a:camera prst="orthographicFront"/>
-      <a:lightRig rig="threePt" dir="t"/>
-    </dgm:scene3d>
-    <dgm:sp3d/>
-    <dgm:txPr/>
-    <dgm:style>
-      <a:lnRef idx="2">
-        <a:scrgbClr r="0" g="0" b="0"/>
-      </a:lnRef>
-      <a:fillRef idx="1">
-        <a:scrgbClr r="0" g="0" b="0"/>
-      </a:fillRef>
-      <a:effectRef idx="0">
-        <a:scrgbClr r="0" g="0" b="0"/>
-      </a:effectRef>
-      <a:fontRef idx="minor">
-        <a:schemeClr val="lt1"/>
-      </a:fontRef>
-    </dgm:style>
-  </dgm:styleLbl>
-  <dgm:styleLbl name="node2">
-    <dgm:scene3d>
-      <a:camera prst="orthographicFront"/>
-      <a:lightRig rig="threePt" dir="t"/>
-    </dgm:scene3d>
-    <dgm:sp3d/>
-    <dgm:txPr/>
-    <dgm:style>
-      <a:lnRef idx="2">
-        <a:scrgbClr r="0" g="0" b="0"/>
-      </a:lnRef>
-      <a:fillRef idx="1">
-        <a:scrgbClr r="0" g="0" b="0"/>
-      </a:fillRef>
-      <a:effectRef idx="0">
-        <a:scrgbClr r="0" g="0" b="0"/>
-      </a:effectRef>
-      <a:fontRef idx="minor">
-        <a:schemeClr val="lt1"/>
-      </a:fontRef>
-    </dgm:style>
-  </dgm:styleLbl>
-  <dgm:styleLbl name="node3">
-    <dgm:scene3d>
-      <a:camera prst="orthographicFront"/>
-      <a:lightRig rig="threePt" dir="t"/>
-    </dgm:scene3d>
-    <dgm:sp3d/>
-    <dgm:txPr/>
-    <dgm:style>
-      <a:lnRef idx="2">
-        <a:scrgbClr r="0" g="0" b="0"/>
-      </a:lnRef>
-      <a:fillRef idx="1">
-        <a:scrgbClr r="0" g="0" b="0"/>
-      </a:fillRef>
-      <a:effectRef idx="0">
-        <a:scrgbClr r="0" g="0" b="0"/>
-      </a:effectRef>
-      <a:fontRef idx="minor">
-        <a:schemeClr val="lt1"/>
-      </a:fontRef>
-    </dgm:style>
-  </dgm:styleLbl>
-  <dgm:styleLbl name="node4">
-    <dgm:scene3d>
-      <a:camera prst="orthographicFront"/>
-      <a:lightRig rig="threePt" dir="t"/>
-    </dgm:scene3d>
-    <dgm:sp3d/>
-    <dgm:txPr/>
-    <dgm:style>
-      <a:lnRef idx="2">
-        <a:scrgbClr r="0" g="0" b="0"/>
-      </a:lnRef>
-      <a:fillRef idx="1">
-        <a:scrgbClr r="0" g="0" b="0"/>
-      </a:fillRef>
-      <a:effectRef idx="0">
-        <a:scrgbClr r="0" g="0" b="0"/>
-      </a:effectRef>
-      <a:fontRef idx="minor">
-        <a:schemeClr val="lt1"/>
-      </a:fontRef>
-    </dgm:style>
-  </dgm:styleLbl>
-  <dgm:styleLbl name="fgImgPlace1">
-    <dgm:scene3d>
-      <a:camera prst="orthographicFront"/>
-      <a:lightRig rig="threePt" dir="t"/>
-    </dgm:scene3d>
-    <dgm:sp3d/>
-    <dgm:txPr/>
-    <dgm:style>
-      <a:lnRef idx="2">
-        <a:scrgbClr r="0" g="0" b="0"/>
-      </a:lnRef>
-      <a:fillRef idx="1">
-        <a:scrgbClr r="0" g="0" b="0"/>
-      </a:fillRef>
-      <a:effectRef idx="0">
-        <a:scrgbClr r="0" g="0" b="0"/>
-      </a:effectRef>
-      <a:fontRef idx="minor"/>
-    </dgm:style>
-  </dgm:styleLbl>
-  <dgm:styleLbl name="alignImgPlace1">
-    <dgm:scene3d>
-      <a:camera prst="orthographicFront"/>
-      <a:lightRig rig="threePt" dir="t"/>
-    </dgm:scene3d>
-    <dgm:sp3d/>
-    <dgm:txPr/>
-    <dgm:style>
-      <a:lnRef idx="2">
-        <a:scrgbClr r="0" g="0" b="0"/>
-      </a:lnRef>
-      <a:fillRef idx="1">
-        <a:scrgbClr r="0" g="0" b="0"/>
-      </a:fillRef>
-      <a:effectRef idx="0">
-        <a:scrgbClr r="0" g="0" b="0"/>
-      </a:effectRef>
-      <a:fontRef idx="minor"/>
-    </dgm:style>
-  </dgm:styleLbl>
-  <dgm:styleLbl name="bgImgPlace1">
-    <dgm:scene3d>
-      <a:camera prst="orthographicFront"/>
-      <a:lightRig rig="threePt" dir="t"/>
-    </dgm:scene3d>
-    <dgm:sp3d/>
-    <dgm:txPr/>
-    <dgm:style>
-      <a:lnRef idx="2">
-        <a:scrgbClr r="0" g="0" b="0"/>
-      </a:lnRef>
-      <a:fillRef idx="1">
-        <a:scrgbClr r="0" g="0" b="0"/>
-      </a:fillRef>
-      <a:effectRef idx="0">
-        <a:scrgbClr r="0" g="0" b="0"/>
-      </a:effectRef>
-      <a:fontRef idx="minor"/>
-    </dgm:style>
-  </dgm:styleLbl>
-  <dgm:styleLbl name="sibTrans2D1">
-    <dgm:scene3d>
-      <a:camera prst="orthographicFront"/>
-      <a:lightRig rig="threePt" dir="t"/>
-    </dgm:scene3d>
-    <dgm:sp3d/>
-    <dgm:txPr/>
-    <dgm:style>
-      <a:lnRef idx="0">
-        <a:scrgbClr r="0" g="0" b="0"/>
-      </a:lnRef>
-      <a:fillRef idx="1">
-        <a:scrgbClr r="0" g="0" b="0"/>
-      </a:fillRef>
-      <a:effectRef idx="0">
-        <a:scrgbClr r="0" g="0" b="0"/>
-      </a:effectRef>
-      <a:fontRef idx="minor">
-        <a:schemeClr val="lt1"/>
-      </a:fontRef>
-    </dgm:style>
-  </dgm:styleLbl>
-  <dgm:styleLbl name="fgSibTrans2D1">
-    <dgm:scene3d>
-      <a:camera prst="orthographicFront"/>
-      <a:lightRig rig="threePt" dir="t"/>
-    </dgm:scene3d>
-    <dgm:sp3d/>
-    <dgm:txPr/>
-    <dgm:style>
-      <a:lnRef idx="0">
-        <a:scrgbClr r="0" g="0" b="0"/>
-      </a:lnRef>
-      <a:fillRef idx="1">
-        <a:scrgbClr r="0" g="0" b="0"/>
-      </a:fillRef>
-      <a:effectRef idx="0">
-        <a:scrgbClr r="0" g="0" b="0"/>
-      </a:effectRef>
-      <a:fontRef idx="minor">
-        <a:schemeClr val="lt1"/>
-      </a:fontRef>
-    </dgm:style>
-  </dgm:styleLbl>
-  <dgm:styleLbl name="bgSibTrans2D1">
-    <dgm:scene3d>
-      <a:camera prst="orthographicFront"/>
-      <a:lightRig rig="threePt" dir="t"/>
-    </dgm:scene3d>
-    <dgm:sp3d/>
-    <dgm:txPr/>
-    <dgm:style>
-      <a:lnRef idx="0">
-        <a:scrgbClr r="0" g="0" b="0"/>
-      </a:lnRef>
-      <a:fillRef idx="1">
-        <a:scrgbClr r="0" g="0" b="0"/>
-      </a:fillRef>
-      <a:effectRef idx="0">
-        <a:scrgbClr r="0" g="0" b="0"/>
-      </a:effectRef>
-      <a:fontRef idx="minor">
-        <a:schemeClr val="lt1"/>
-      </a:fontRef>
-    </dgm:style>
-  </dgm:styleLbl>
-  <dgm:styleLbl name="sibTrans1D1">
-    <dgm:scene3d>
-      <a:camera prst="orthographicFront"/>
-      <a:lightRig rig="threePt" dir="t"/>
-    </dgm:scene3d>
-    <dgm:sp3d/>
-    <dgm:txPr/>
-    <dgm:style>
-      <a:lnRef idx="1">
-        <a:scrgbClr r="0" g="0" b="0"/>
-      </a:lnRef>
-      <a:fillRef idx="0">
-        <a:scrgbClr r="0" g="0" b="0"/>
-      </a:fillRef>
-      <a:effectRef idx="0">
-        <a:scrgbClr r="0" g="0" b="0"/>
-      </a:effectRef>
-      <a:fontRef idx="minor"/>
-    </dgm:style>
-  </dgm:styleLbl>
-  <dgm:styleLbl name="callout">
-    <dgm:scene3d>
-      <a:camera prst="orthographicFront"/>
-      <a:lightRig rig="threePt" dir="t"/>
-    </dgm:scene3d>
-    <dgm:sp3d/>
-    <dgm:txPr/>
-    <dgm:style>
-      <a:lnRef idx="2">
-        <a:scrgbClr r="0" g="0" b="0"/>
-      </a:lnRef>
-      <a:fillRef idx="1">
-        <a:scrgbClr r="0" g="0" b="0"/>
-      </a:fillRef>
-      <a:effectRef idx="0">
-        <a:scrgbClr r="0" g="0" b="0"/>
-      </a:effectRef>
-      <a:fontRef idx="minor"/>
-    </dgm:style>
-  </dgm:styleLbl>
-  <dgm:styleLbl name="asst0">
-    <dgm:scene3d>
-      <a:camera prst="orthographicFront"/>
-      <a:lightRig rig="threePt" dir="t"/>
-    </dgm:scene3d>
-    <dgm:sp3d/>
-    <dgm:txPr/>
-    <dgm:style>
-      <a:lnRef idx="2">
-        <a:scrgbClr r="0" g="0" b="0"/>
-      </a:lnRef>
-      <a:fillRef idx="1">
-        <a:scrgbClr r="0" g="0" b="0"/>
-      </a:fillRef>
-      <a:effectRef idx="0">
-        <a:scrgbClr r="0" g="0" b="0"/>
-      </a:effectRef>
-      <a:fontRef idx="minor">
-        <a:schemeClr val="lt1"/>
-      </a:fontRef>
-    </dgm:style>
-  </dgm:styleLbl>
-  <dgm:styleLbl name="asst1">
-    <dgm:scene3d>
-      <a:camera prst="orthographicFront"/>
-      <a:lightRig rig="threePt" dir="t"/>
-    </dgm:scene3d>
-    <dgm:sp3d/>
-    <dgm:txPr/>
-    <dgm:style>
-      <a:lnRef idx="2">
-        <a:scrgbClr r="0" g="0" b="0"/>
-      </a:lnRef>
-      <a:fillRef idx="1">
-        <a:scrgbClr r="0" g="0" b="0"/>
-      </a:fillRef>
-      <a:effectRef idx="0">
-        <a:scrgbClr r="0" g="0" b="0"/>
-      </a:effectRef>
-      <a:fontRef idx="minor">
-        <a:schemeClr val="lt1"/>
-      </a:fontRef>
-    </dgm:style>
-  </dgm:styleLbl>
-  <dgm:styleLbl name="asst2">
-    <dgm:scene3d>
-      <a:camera prst="orthographicFront"/>
-      <a:lightRig rig="threePt" dir="t"/>
-    </dgm:scene3d>
-    <dgm:sp3d/>
-    <dgm:txPr/>
-    <dgm:style>
-      <a:lnRef idx="2">
-        <a:scrgbClr r="0" g="0" b="0"/>
-      </a:lnRef>
-      <a:fillRef idx="1">
-        <a:scrgbClr r="0" g="0" b="0"/>
-      </a:fillRef>
-      <a:effectRef idx="0">
-        <a:scrgbClr r="0" g="0" b="0"/>
-      </a:effectRef>
-      <a:fontRef idx="minor">
-        <a:schemeClr val="lt1"/>
-      </a:fontRef>
-    </dgm:style>
-  </dgm:styleLbl>
-  <dgm:styleLbl name="asst3">
-    <dgm:scene3d>
-      <a:camera prst="orthographicFront"/>
-      <a:lightRig rig="threePt" dir="t"/>
-    </dgm:scene3d>
-    <dgm:sp3d/>
-    <dgm:txPr/>
-    <dgm:style>
-      <a:lnRef idx="2">
-        <a:scrgbClr r="0" g="0" b="0"/>
-      </a:lnRef>
-      <a:fillRef idx="1">
-        <a:scrgbClr r="0" g="0" b="0"/>
-      </a:fillRef>
-      <a:effectRef idx="0">
-        <a:scrgbClr r="0" g="0" b="0"/>
-      </a:effectRef>
-      <a:fontRef idx="minor">
-        <a:schemeClr val="lt1"/>
-      </a:fontRef>
-    </dgm:style>
-  </dgm:styleLbl>
-  <dgm:styleLbl name="asst4">
-    <dgm:scene3d>
-      <a:camera prst="orthographicFront"/>
-      <a:lightRig rig="threePt" dir="t"/>
-    </dgm:scene3d>
-    <dgm:sp3d/>
-    <dgm:txPr/>
-    <dgm:style>
-      <a:lnRef idx="2">
-        <a:scrgbClr r="0" g="0" b="0"/>
-      </a:lnRef>
-      <a:fillRef idx="1">
-        <a:scrgbClr r="0" g="0" b="0"/>
-      </a:fillRef>
-      <a:effectRef idx="0">
-        <a:scrgbClr r="0" g="0" b="0"/>
-      </a:effectRef>
-      <a:fontRef idx="minor">
-        <a:schemeClr val="lt1"/>
-      </a:fontRef>
-    </dgm:style>
-  </dgm:styleLbl>
-  <dgm:styleLbl name="parChTrans2D1">
-    <dgm:scene3d>
-      <a:camera prst="orthographicFront"/>
-      <a:lightRig rig="threePt" dir="t"/>
-    </dgm:scene3d>
-    <dgm:sp3d/>
-    <dgm:txPr/>
-    <dgm:style>
-      <a:lnRef idx="2">
-        <a:scrgbClr r="0" g="0" b="0"/>
-      </a:lnRef>
-      <a:fillRef idx="1">
-        <a:scrgbClr r="0" g="0" b="0"/>
-      </a:fillRef>
-      <a:effectRef idx="0">
-        <a:scrgbClr r="0" g="0" b="0"/>
-      </a:effectRef>
-      <a:fontRef idx="minor">
-        <a:schemeClr val="lt1"/>
-      </a:fontRef>
-    </dgm:style>
-  </dgm:styleLbl>
-  <dgm:styleLbl name="parChTrans2D2">
-    <dgm:scene3d>
-      <a:camera prst="orthographicFront"/>
-      <a:lightRig rig="threePt" dir="t"/>
-    </dgm:scene3d>
-    <dgm:sp3d/>
-    <dgm:txPr/>
-    <dgm:style>
-      <a:lnRef idx="2">
-        <a:scrgbClr r="0" g="0" b="0"/>
-      </a:lnRef>
-      <a:fillRef idx="1">
-        <a:scrgbClr r="0" g="0" b="0"/>
-      </a:fillRef>
-      <a:effectRef idx="0">
-        <a:scrgbClr r="0" g="0" b="0"/>
-      </a:effectRef>
-      <a:fontRef idx="minor">
-        <a:schemeClr val="lt1"/>
-      </a:fontRef>
-    </dgm:style>
-  </dgm:styleLbl>
-  <dgm:styleLbl name="parChTrans2D3">
-    <dgm:scene3d>
-      <a:camera prst="orthographicFront"/>
-      <a:lightRig rig="threePt" dir="t"/>
-    </dgm:scene3d>
-    <dgm:sp3d/>
-    <dgm:txPr/>
-    <dgm:style>
-      <a:lnRef idx="2">
-        <a:scrgbClr r="0" g="0" b="0"/>
-      </a:lnRef>
-      <a:fillRef idx="1">
-        <a:scrgbClr r="0" g="0" b="0"/>
-      </a:fillRef>
-      <a:effectRef idx="0">
-        <a:scrgbClr r="0" g="0" b="0"/>
-      </a:effectRef>
-      <a:fontRef idx="minor">
-        <a:schemeClr val="lt1"/>
-      </a:fontRef>
-    </dgm:style>
-  </dgm:styleLbl>
-  <dgm:styleLbl name="parChTrans2D4">
-    <dgm:scene3d>
-      <a:camera prst="orthographicFront"/>
-      <a:lightRig rig="threePt" dir="t"/>
-    </dgm:scene3d>
-    <dgm:sp3d/>
-    <dgm:txPr/>
-    <dgm:style>
-      <a:lnRef idx="2">
-        <a:scrgbClr r="0" g="0" b="0"/>
-      </a:lnRef>
-      <a:fillRef idx="1">
-        <a:scrgbClr r="0" g="0" b="0"/>
-      </a:fillRef>
-      <a:effectRef idx="0">
-        <a:scrgbClr r="0" g="0" b="0"/>
-      </a:effectRef>
-      <a:fontRef idx="minor">
-        <a:schemeClr val="lt1"/>
-      </a:fontRef>
-    </dgm:style>
-  </dgm:styleLbl>
-  <dgm:styleLbl name="parChTrans1D1">
-    <dgm:scene3d>
-      <a:camera prst="orthographicFront"/>
-      <a:lightRig rig="threePt" dir="t"/>
-    </dgm:scene3d>
-    <dgm:sp3d/>
-    <dgm:txPr/>
-    <dgm:style>
-      <a:lnRef idx="2">
-        <a:scrgbClr r="0" g="0" b="0"/>
-      </a:lnRef>
-      <a:fillRef idx="0">
-        <a:scrgbClr r="0" g="0" b="0"/>
-      </a:fillRef>
-      <a:effectRef idx="0">
-        <a:scrgbClr r="0" g="0" b="0"/>
-      </a:effectRef>
-      <a:fontRef idx="minor"/>
-    </dgm:style>
-  </dgm:styleLbl>
-  <dgm:styleLbl name="parChTrans1D2">
-    <dgm:scene3d>
-      <a:camera prst="orthographicFront"/>
-      <a:lightRig rig="threePt" dir="t"/>
-    </dgm:scene3d>
-    <dgm:sp3d/>
-    <dgm:txPr/>
-    <dgm:style>
-      <a:lnRef idx="2">
-        <a:scrgbClr r="0" g="0" b="0"/>
-      </a:lnRef>
-      <a:fillRef idx="0">
-        <a:scrgbClr r="0" g="0" b="0"/>
-      </a:fillRef>
-      <a:effectRef idx="0">
-        <a:scrgbClr r="0" g="0" b="0"/>
-      </a:effectRef>
-      <a:fontRef idx="minor"/>
-    </dgm:style>
-  </dgm:styleLbl>
-  <dgm:styleLbl name="parChTrans1D3">
-    <dgm:scene3d>
-      <a:camera prst="orthographicFront"/>
-      <a:lightRig rig="threePt" dir="t"/>
-    </dgm:scene3d>
-    <dgm:sp3d/>
-    <dgm:txPr/>
-    <dgm:style>
-      <a:lnRef idx="2">
-        <a:scrgbClr r="0" g="0" b="0"/>
-      </a:lnRef>
-      <a:fillRef idx="0">
-        <a:scrgbClr r="0" g="0" b="0"/>
-      </a:fillRef>
-      <a:effectRef idx="0">
-        <a:scrgbClr r="0" g="0" b="0"/>
-      </a:effectRef>
-      <a:fontRef idx="minor"/>
-    </dgm:style>
-  </dgm:styleLbl>
-  <dgm:styleLbl name="parChTrans1D4">
-    <dgm:scene3d>
-      <a:camera prst="orthographicFront"/>
-      <a:lightRig rig="threePt" dir="t"/>
-    </dgm:scene3d>
-    <dgm:sp3d/>
-    <dgm:txPr/>
-    <dgm:style>
-      <a:lnRef idx="2">
-        <a:scrgbClr r="0" g="0" b="0"/>
-      </a:lnRef>
-      <a:fillRef idx="0">
-        <a:scrgbClr r="0" g="0" b="0"/>
-      </a:fillRef>
-      <a:effectRef idx="0">
-        <a:scrgbClr r="0" g="0" b="0"/>
-      </a:effectRef>
-      <a:fontRef idx="minor"/>
-    </dgm:style>
-  </dgm:styleLbl>
-  <dgm:styleLbl name="fgAcc1">
-    <dgm:scene3d>
-      <a:camera prst="orthographicFront"/>
-      <a:lightRig rig="threePt" dir="t"/>
-    </dgm:scene3d>
-    <dgm:sp3d/>
-    <dgm:txPr/>
-    <dgm:style>
-      <a:lnRef idx="2">
-        <a:scrgbClr r="0" g="0" b="0"/>
-      </a:lnRef>
-      <a:fillRef idx="1">
-        <a:scrgbClr r="0" g="0" b="0"/>
-      </a:fillRef>
-      <a:effectRef idx="0">
-        <a:scrgbClr r="0" g="0" b="0"/>
-      </a:effectRef>
-      <a:fontRef idx="minor"/>
-    </dgm:style>
-  </dgm:styleLbl>
-  <dgm:styleLbl name="conFgAcc1">
-    <dgm:scene3d>
-      <a:camera prst="orthographicFront"/>
-      <a:lightRig rig="threePt" dir="t"/>
-    </dgm:scene3d>
-    <dgm:sp3d/>
-    <dgm:txPr/>
-    <dgm:style>
-      <a:lnRef idx="2">
-        <a:scrgbClr r="0" g="0" b="0"/>
-      </a:lnRef>
-      <a:fillRef idx="1">
-        <a:scrgbClr r="0" g="0" b="0"/>
-      </a:fillRef>
-      <a:effectRef idx="0">
-        <a:scrgbClr r="0" g="0" b="0"/>
-      </a:effectRef>
-      <a:fontRef idx="minor"/>
-    </dgm:style>
-  </dgm:styleLbl>
-  <dgm:styleLbl name="alignAcc1">
-    <dgm:scene3d>
-      <a:camera prst="orthographicFront"/>
-      <a:lightRig rig="threePt" dir="t"/>
-    </dgm:scene3d>
-    <dgm:sp3d/>
-    <dgm:txPr/>
-    <dgm:style>
-      <a:lnRef idx="2">
-        <a:scrgbClr r="0" g="0" b="0"/>
-      </a:lnRef>
-      <a:fillRef idx="1">
-        <a:scrgbClr r="0" g="0" b="0"/>
-      </a:fillRef>
-      <a:effectRef idx="0">
-        <a:scrgbClr r="0" g="0" b="0"/>
-      </a:effectRef>
-      <a:fontRef idx="minor"/>
-    </dgm:style>
-  </dgm:styleLbl>
-  <dgm:styleLbl name="trAlignAcc1">
-    <dgm:scene3d>
-      <a:camera prst="orthographicFront"/>
-      <a:lightRig rig="threePt" dir="t"/>
-    </dgm:scene3d>
-    <dgm:sp3d/>
-    <dgm:txPr/>
-    <dgm:style>
-      <a:lnRef idx="1">
-        <a:scrgbClr r="0" g="0" b="0"/>
-      </a:lnRef>
-      <a:fillRef idx="1">
-        <a:scrgbClr r="0" g="0" b="0"/>
-      </a:fillRef>
-      <a:effectRef idx="0">
-        <a:scrgbClr r="0" g="0" b="0"/>
-      </a:effectRef>
-      <a:fontRef idx="minor"/>
-    </dgm:style>
-  </dgm:styleLbl>
-  <dgm:styleLbl name="bgAcc1">
-    <dgm:scene3d>
-      <a:camera prst="orthographicFront"/>
-      <a:lightRig rig="threePt" dir="t"/>
-    </dgm:scene3d>
-    <dgm:sp3d/>
-    <dgm:txPr/>
-    <dgm:style>
-      <a:lnRef idx="2">
-        <a:scrgbClr r="0" g="0" b="0"/>
-      </a:lnRef>
-      <a:fillRef idx="1">
-        <a:scrgbClr r="0" g="0" b="0"/>
-      </a:fillRef>
-      <a:effectRef idx="0">
-        <a:scrgbClr r="0" g="0" b="0"/>
-      </a:effectRef>
-      <a:fontRef idx="minor"/>
-    </dgm:style>
-  </dgm:styleLbl>
-  <dgm:styleLbl name="solidFgAcc1">
-    <dgm:scene3d>
-      <a:camera prst="orthographicFront"/>
-      <a:lightRig rig="threePt" dir="t"/>
-    </dgm:scene3d>
-    <dgm:sp3d/>
-    <dgm:txPr/>
-    <dgm:style>
-      <a:lnRef idx="2">
-        <a:scrgbClr r="0" g="0" b="0"/>
-      </a:lnRef>
-      <a:fillRef idx="1">
-        <a:scrgbClr r="0" g="0" b="0"/>
-      </a:fillRef>
-      <a:effectRef idx="0">
-        <a:scrgbClr r="0" g="0" b="0"/>
-      </a:effectRef>
-      <a:fontRef idx="minor"/>
-    </dgm:style>
-  </dgm:styleLbl>
-  <dgm:styleLbl name="solidAlignAcc1">
-    <dgm:scene3d>
-      <a:camera prst="orthographicFront"/>
-      <a:lightRig rig="threePt" dir="t"/>
-    </dgm:scene3d>
-    <dgm:sp3d/>
-    <dgm:txPr/>
-    <dgm:style>
-      <a:lnRef idx="2">
-        <a:scrgbClr r="0" g="0" b="0"/>
-      </a:lnRef>
-      <a:fillRef idx="1">
-        <a:scrgbClr r="0" g="0" b="0"/>
-      </a:fillRef>
-      <a:effectRef idx="0">
-        <a:scrgbClr r="0" g="0" b="0"/>
-      </a:effectRef>
-      <a:fontRef idx="minor"/>
-    </dgm:style>
-  </dgm:styleLbl>
-  <dgm:styleLbl name="solidBgAcc1">
-    <dgm:scene3d>
-      <a:camera prst="orthographicFront"/>
-      <a:lightRig rig="threePt" dir="t"/>
-    </dgm:scene3d>
-    <dgm:sp3d/>
-    <dgm:txPr/>
-    <dgm:style>
-      <a:lnRef idx="2">
-        <a:scrgbClr r="0" g="0" b="0"/>
-      </a:lnRef>
-      <a:fillRef idx="1">
-        <a:scrgbClr r="0" g="0" b="0"/>
-      </a:fillRef>
-      <a:effectRef idx="0">
-        <a:scrgbClr r="0" g="0" b="0"/>
-      </a:effectRef>
-      <a:fontRef idx="minor"/>
-    </dgm:style>
-  </dgm:styleLbl>
-  <dgm:styleLbl name="fgAccFollowNode1">
-    <dgm:scene3d>
-      <a:camera prst="orthographicFront"/>
-      <a:lightRig rig="threePt" dir="t"/>
-    </dgm:scene3d>
-    <dgm:sp3d/>
-    <dgm:txPr/>
-    <dgm:style>
-      <a:lnRef idx="2">
-        <a:scrgbClr r="0" g="0" b="0"/>
-      </a:lnRef>
-      <a:fillRef idx="1">
-        <a:scrgbClr r="0" g="0" b="0"/>
-      </a:fillRef>
-      <a:effectRef idx="0">
-        <a:scrgbClr r="0" g="0" b="0"/>
-      </a:effectRef>
-      <a:fontRef idx="minor"/>
-    </dgm:style>
-  </dgm:styleLbl>
-  <dgm:styleLbl name="alignAccFollowNode1">
-    <dgm:scene3d>
-      <a:camera prst="orthographicFront"/>
-      <a:lightRig rig="threePt" dir="t"/>
-    </dgm:scene3d>
-    <dgm:sp3d/>
-    <dgm:txPr/>
-    <dgm:style>
-      <a:lnRef idx="2">
-        <a:scrgbClr r="0" g="0" b="0"/>
-      </a:lnRef>
-      <a:fillRef idx="1">
-        <a:scrgbClr r="0" g="0" b="0"/>
-      </a:fillRef>
-      <a:effectRef idx="0">
-        <a:scrgbClr r="0" g="0" b="0"/>
-      </a:effectRef>
-      <a:fontRef idx="minor"/>
-    </dgm:style>
-  </dgm:styleLbl>
-  <dgm:styleLbl name="bgAccFollowNode1">
-    <dgm:scene3d>
-      <a:camera prst="orthographicFront"/>
-      <a:lightRig rig="threePt" dir="t"/>
-    </dgm:scene3d>
-    <dgm:sp3d/>
-    <dgm:txPr/>
-    <dgm:style>
-      <a:lnRef idx="2">
-        <a:scrgbClr r="0" g="0" b="0"/>
-      </a:lnRef>
-      <a:fillRef idx="1">
-        <a:scrgbClr r="0" g="0" b="0"/>
-      </a:fillRef>
-      <a:effectRef idx="0">
-        <a:scrgbClr r="0" g="0" b="0"/>
-      </a:effectRef>
-      <a:fontRef idx="minor"/>
-    </dgm:style>
-  </dgm:styleLbl>
-  <dgm:styleLbl name="fgAcc0">
-    <dgm:scene3d>
-      <a:camera prst="orthographicFront"/>
-      <a:lightRig rig="threePt" dir="t"/>
-    </dgm:scene3d>
-    <dgm:sp3d/>
-    <dgm:txPr/>
-    <dgm:style>
-      <a:lnRef idx="2">
-        <a:scrgbClr r="0" g="0" b="0"/>
-      </a:lnRef>
-      <a:fillRef idx="1">
-        <a:scrgbClr r="0" g="0" b="0"/>
-      </a:fillRef>
-      <a:effectRef idx="0">
-        <a:scrgbClr r="0" g="0" b="0"/>
-      </a:effectRef>
-      <a:fontRef idx="minor"/>
-    </dgm:style>
-  </dgm:styleLbl>
-  <dgm:styleLbl name="fgAcc2">
-    <dgm:scene3d>
-      <a:camera prst="orthographicFront"/>
-      <a:lightRig rig="threePt" dir="t"/>
-    </dgm:scene3d>
-    <dgm:sp3d/>
-    <dgm:txPr/>
-    <dgm:style>
-      <a:lnRef idx="2">
-        <a:scrgbClr r="0" g="0" b="0"/>
-      </a:lnRef>
-      <a:fillRef idx="1">
-        <a:scrgbClr r="0" g="0" b="0"/>
-      </a:fillRef>
-      <a:effectRef idx="0">
-        <a:scrgbClr r="0" g="0" b="0"/>
-      </a:effectRef>
-      <a:fontRef idx="minor"/>
-    </dgm:style>
-  </dgm:styleLbl>
-  <dgm:styleLbl name="fgAcc3">
-    <dgm:scene3d>
-      <a:camera prst="orthographicFront"/>
-      <a:lightRig rig="threePt" dir="t"/>
-    </dgm:scene3d>
-    <dgm:sp3d/>
-    <dgm:txPr/>
-    <dgm:style>
-      <a:lnRef idx="2">
-        <a:scrgbClr r="0" g="0" b="0"/>
-      </a:lnRef>
-      <a:fillRef idx="1">
-        <a:scrgbClr r="0" g="0" b="0"/>
-      </a:fillRef>
-      <a:effectRef idx="0">
-        <a:scrgbClr r="0" g="0" b="0"/>
-      </a:effectRef>
-      <a:fontRef idx="minor"/>
-    </dgm:style>
-  </dgm:styleLbl>
-  <dgm:styleLbl name="fgAcc4">
-    <dgm:scene3d>
-      <a:camera prst="orthographicFront"/>
-      <a:lightRig rig="threePt" dir="t"/>
-    </dgm:scene3d>
-    <dgm:sp3d/>
-    <dgm:txPr/>
-    <dgm:style>
-      <a:lnRef idx="2">
-        <a:scrgbClr r="0" g="0" b="0"/>
-      </a:lnRef>
-      <a:fillRef idx="1">
-        <a:scrgbClr r="0" g="0" b="0"/>
-      </a:fillRef>
-      <a:effectRef idx="0">
-        <a:scrgbClr r="0" g="0" b="0"/>
-      </a:effectRef>
-      <a:fontRef idx="minor"/>
-    </dgm:style>
-  </dgm:styleLbl>
-  <dgm:styleLbl name="bgShp">
-    <dgm:scene3d>
-      <a:camera prst="orthographicFront"/>
-      <a:lightRig rig="threePt" dir="t"/>
-    </dgm:scene3d>
-    <dgm:sp3d/>
-    <dgm:txPr/>
-    <dgm:style>
-      <a:lnRef idx="0">
-        <a:scrgbClr r="0" g="0" b="0"/>
-      </a:lnRef>
-      <a:fillRef idx="1">
-        <a:scrgbClr r="0" g="0" b="0"/>
-      </a:fillRef>
-      <a:effectRef idx="0">
-        <a:scrgbClr r="0" g="0" b="0"/>
-      </a:effectRef>
-      <a:fontRef idx="minor"/>
-    </dgm:style>
-  </dgm:styleLbl>
-  <dgm:styleLbl name="dkBgShp">
-    <dgm:scene3d>
-      <a:camera prst="orthographicFront"/>
-      <a:lightRig rig="threePt" dir="t"/>
-    </dgm:scene3d>
-    <dgm:sp3d/>
-    <dgm:txPr/>
-    <dgm:style>
-      <a:lnRef idx="0">
-        <a:scrgbClr r="0" g="0" b="0"/>
-      </a:lnRef>
-      <a:fillRef idx="1">
-        <a:scrgbClr r="0" g="0" b="0"/>
-      </a:fillRef>
-      <a:effectRef idx="0">
-        <a:scrgbClr r="0" g="0" b="0"/>
-      </a:effectRef>
-      <a:fontRef idx="minor"/>
-    </dgm:style>
-  </dgm:styleLbl>
-  <dgm:styleLbl name="trBgShp">
-    <dgm:scene3d>
-      <a:camera prst="orthographicFront"/>
-      <a:lightRig rig="threePt" dir="t"/>
-    </dgm:scene3d>
-    <dgm:sp3d/>
-    <dgm:txPr/>
-    <dgm:style>
-      <a:lnRef idx="0">
-        <a:scrgbClr r="0" g="0" b="0"/>
-      </a:lnRef>
-      <a:fillRef idx="1">
-        <a:scrgbClr r="0" g="0" b="0"/>
-      </a:fillRef>
-      <a:effectRef idx="0">
-        <a:scrgbClr r="0" g="0" b="0"/>
-      </a:effectRef>
-      <a:fontRef idx="minor"/>
-    </dgm:style>
-  </dgm:styleLbl>
-  <dgm:styleLbl name="fgShp">
-    <dgm:scene3d>
-      <a:camera prst="orthographicFront"/>
-      <a:lightRig rig="threePt" dir="t"/>
-    </dgm:scene3d>
-    <dgm:sp3d/>
-    <dgm:txPr/>
-    <dgm:style>
-      <a:lnRef idx="2">
-        <a:scrgbClr r="0" g="0" b="0"/>
-      </a:lnRef>
-      <a:fillRef idx="1">
-        <a:scrgbClr r="0" g="0" b="0"/>
-      </a:fillRef>
-      <a:effectRef idx="0">
-        <a:scrgbClr r="0" g="0" b="0"/>
-      </a:effectRef>
-      <a:fontRef idx="minor"/>
-    </dgm:style>
-  </dgm:styleLbl>
-  <dgm:styleLbl name="revTx">
-    <dgm:scene3d>
-      <a:camera prst="orthographicFront"/>
-      <a:lightRig rig="threePt" dir="t"/>
-    </dgm:scene3d>
-    <dgm:sp3d/>
-    <dgm:txPr/>
-    <dgm:style>
-      <a:lnRef idx="0">
-        <a:scrgbClr r="0" g="0" b="0"/>
-      </a:lnRef>
-      <a:fillRef idx="0">
-        <a:scrgbClr r="0" g="0" b="0"/>
-      </a:fillRef>
-      <a:effectRef idx="0">
-        <a:scrgbClr r="0" g="0" b="0"/>
-      </a:effectRef>
-      <a:fontRef idx="minor"/>
-    </dgm:style>
-  </dgm:styleLbl>
-</dgm:styleDef>
 </file>
 
 <file path=ppt/slideLayouts/slideLayout1.xml><?xml version="1.0" encoding="utf-8"?>
@@ -3486,7 +266,7 @@
           <a:p>
             <a:fld id="{317477D6-9F88-4BD6-9EE3-5E387554D71A}" type="datetimeFigureOut">
               <a:rPr lang="en-US" smtClean="0"/>
-              <a:t>5/26/2020</a:t>
+              <a:t>5/27/2020</a:t>
             </a:fld>
             <a:endParaRPr lang="en-US"/>
           </a:p>
@@ -3684,7 +464,7 @@
           <a:p>
             <a:fld id="{317477D6-9F88-4BD6-9EE3-5E387554D71A}" type="datetimeFigureOut">
               <a:rPr lang="en-US" smtClean="0"/>
-              <a:t>5/26/2020</a:t>
+              <a:t>5/27/2020</a:t>
             </a:fld>
             <a:endParaRPr lang="en-US"/>
           </a:p>
@@ -3892,7 +672,7 @@
           <a:p>
             <a:fld id="{317477D6-9F88-4BD6-9EE3-5E387554D71A}" type="datetimeFigureOut">
               <a:rPr lang="en-US" smtClean="0"/>
-              <a:t>5/26/2020</a:t>
+              <a:t>5/27/2020</a:t>
             </a:fld>
             <a:endParaRPr lang="en-US"/>
           </a:p>
@@ -4090,7 +870,7 @@
           <a:p>
             <a:fld id="{317477D6-9F88-4BD6-9EE3-5E387554D71A}" type="datetimeFigureOut">
               <a:rPr lang="en-US" smtClean="0"/>
-              <a:t>5/26/2020</a:t>
+              <a:t>5/27/2020</a:t>
             </a:fld>
             <a:endParaRPr lang="en-US"/>
           </a:p>
@@ -4365,7 +1145,7 @@
           <a:p>
             <a:fld id="{317477D6-9F88-4BD6-9EE3-5E387554D71A}" type="datetimeFigureOut">
               <a:rPr lang="en-US" smtClean="0"/>
-              <a:t>5/26/2020</a:t>
+              <a:t>5/27/2020</a:t>
             </a:fld>
             <a:endParaRPr lang="en-US"/>
           </a:p>
@@ -4630,7 +1410,7 @@
           <a:p>
             <a:fld id="{317477D6-9F88-4BD6-9EE3-5E387554D71A}" type="datetimeFigureOut">
               <a:rPr lang="en-US" smtClean="0"/>
-              <a:t>5/26/2020</a:t>
+              <a:t>5/27/2020</a:t>
             </a:fld>
             <a:endParaRPr lang="en-US"/>
           </a:p>
@@ -5042,7 +1822,7 @@
           <a:p>
             <a:fld id="{317477D6-9F88-4BD6-9EE3-5E387554D71A}" type="datetimeFigureOut">
               <a:rPr lang="en-US" smtClean="0"/>
-              <a:t>5/26/2020</a:t>
+              <a:t>5/27/2020</a:t>
             </a:fld>
             <a:endParaRPr lang="en-US"/>
           </a:p>
@@ -5183,7 +1963,7 @@
           <a:p>
             <a:fld id="{317477D6-9F88-4BD6-9EE3-5E387554D71A}" type="datetimeFigureOut">
               <a:rPr lang="en-US" smtClean="0"/>
-              <a:t>5/26/2020</a:t>
+              <a:t>5/27/2020</a:t>
             </a:fld>
             <a:endParaRPr lang="en-US"/>
           </a:p>
@@ -5296,7 +2076,7 @@
           <a:p>
             <a:fld id="{317477D6-9F88-4BD6-9EE3-5E387554D71A}" type="datetimeFigureOut">
               <a:rPr lang="en-US" smtClean="0"/>
-              <a:t>5/26/2020</a:t>
+              <a:t>5/27/2020</a:t>
             </a:fld>
             <a:endParaRPr lang="en-US"/>
           </a:p>
@@ -5607,7 +2387,7 @@
           <a:p>
             <a:fld id="{317477D6-9F88-4BD6-9EE3-5E387554D71A}" type="datetimeFigureOut">
               <a:rPr lang="en-US" smtClean="0"/>
-              <a:t>5/26/2020</a:t>
+              <a:t>5/27/2020</a:t>
             </a:fld>
             <a:endParaRPr lang="en-US"/>
           </a:p>
@@ -5895,7 +2675,7 @@
           <a:p>
             <a:fld id="{317477D6-9F88-4BD6-9EE3-5E387554D71A}" type="datetimeFigureOut">
               <a:rPr lang="en-US" smtClean="0"/>
-              <a:t>5/26/2020</a:t>
+              <a:t>5/27/2020</a:t>
             </a:fld>
             <a:endParaRPr lang="en-US"/>
           </a:p>
@@ -6136,7 +2916,7 @@
           <a:p>
             <a:fld id="{317477D6-9F88-4BD6-9EE3-5E387554D71A}" type="datetimeFigureOut">
               <a:rPr lang="en-US" smtClean="0"/>
-              <a:t>5/26/2020</a:t>
+              <a:t>5/27/2020</a:t>
             </a:fld>
             <a:endParaRPr lang="en-US"/>
           </a:p>
@@ -7057,6 +3837,138 @@
       </p:grpSpPr>
       <p:sp>
         <p:nvSpPr>
+          <p:cNvPr id="22" name="Rectangle 21">
+            <a:extLst>
+              <a:ext uri="{FF2B5EF4-FFF2-40B4-BE49-F238E27FC236}">
+                <a16:creationId xmlns:a16="http://schemas.microsoft.com/office/drawing/2014/main" id="{80B6DB03-5F32-41F8-A169-0F3E1E63980A}"/>
+              </a:ext>
+            </a:extLst>
+          </p:cNvPr>
+          <p:cNvSpPr/>
+          <p:nvPr/>
+        </p:nvSpPr>
+        <p:spPr>
+          <a:xfrm>
+            <a:off x="1517514" y="5329175"/>
+            <a:ext cx="9683885" cy="997335"/>
+          </a:xfrm>
+          <a:prstGeom prst="rect">
+            <a:avLst/>
+          </a:prstGeom>
+        </p:spPr>
+        <p:style>
+          <a:lnRef idx="2">
+            <a:schemeClr val="dk1"/>
+          </a:lnRef>
+          <a:fillRef idx="1">
+            <a:schemeClr val="lt1"/>
+          </a:fillRef>
+          <a:effectRef idx="0">
+            <a:schemeClr val="dk1"/>
+          </a:effectRef>
+          <a:fontRef idx="minor">
+            <a:schemeClr val="dk1"/>
+          </a:fontRef>
+        </p:style>
+        <p:txBody>
+          <a:bodyPr rtlCol="0" anchor="ctr"/>
+          <a:lstStyle/>
+          <a:p>
+            <a:pPr algn="ctr"/>
+            <a:endParaRPr lang="en-US"/>
+          </a:p>
+        </p:txBody>
+      </p:sp>
+      <p:sp>
+        <p:nvSpPr>
+          <p:cNvPr id="20" name="Rectangle 19">
+            <a:extLst>
+              <a:ext uri="{FF2B5EF4-FFF2-40B4-BE49-F238E27FC236}">
+                <a16:creationId xmlns:a16="http://schemas.microsoft.com/office/drawing/2014/main" id="{9B35ACC8-EC1E-46BD-B10C-5794591C4CDB}"/>
+              </a:ext>
+            </a:extLst>
+          </p:cNvPr>
+          <p:cNvSpPr/>
+          <p:nvPr/>
+        </p:nvSpPr>
+        <p:spPr>
+          <a:xfrm>
+            <a:off x="1517515" y="3949153"/>
+            <a:ext cx="9683885" cy="997335"/>
+          </a:xfrm>
+          <a:prstGeom prst="rect">
+            <a:avLst/>
+          </a:prstGeom>
+        </p:spPr>
+        <p:style>
+          <a:lnRef idx="2">
+            <a:schemeClr val="dk1"/>
+          </a:lnRef>
+          <a:fillRef idx="1">
+            <a:schemeClr val="lt1"/>
+          </a:fillRef>
+          <a:effectRef idx="0">
+            <a:schemeClr val="dk1"/>
+          </a:effectRef>
+          <a:fontRef idx="minor">
+            <a:schemeClr val="dk1"/>
+          </a:fontRef>
+        </p:style>
+        <p:txBody>
+          <a:bodyPr rtlCol="0" anchor="ctr"/>
+          <a:lstStyle/>
+          <a:p>
+            <a:pPr algn="ctr"/>
+            <a:endParaRPr lang="en-US"/>
+          </a:p>
+        </p:txBody>
+      </p:sp>
+      <p:sp>
+        <p:nvSpPr>
+          <p:cNvPr id="5" name="Rectangle 4">
+            <a:extLst>
+              <a:ext uri="{FF2B5EF4-FFF2-40B4-BE49-F238E27FC236}">
+                <a16:creationId xmlns:a16="http://schemas.microsoft.com/office/drawing/2014/main" id="{7D6F9833-8B12-467A-ABF2-C1F83BAC2D25}"/>
+              </a:ext>
+            </a:extLst>
+          </p:cNvPr>
+          <p:cNvSpPr/>
+          <p:nvPr/>
+        </p:nvSpPr>
+        <p:spPr>
+          <a:xfrm>
+            <a:off x="1517515" y="2500009"/>
+            <a:ext cx="9683885" cy="997335"/>
+          </a:xfrm>
+          <a:prstGeom prst="rect">
+            <a:avLst/>
+          </a:prstGeom>
+        </p:spPr>
+        <p:style>
+          <a:lnRef idx="2">
+            <a:schemeClr val="dk1"/>
+          </a:lnRef>
+          <a:fillRef idx="1">
+            <a:schemeClr val="lt1"/>
+          </a:fillRef>
+          <a:effectRef idx="0">
+            <a:schemeClr val="dk1"/>
+          </a:effectRef>
+          <a:fontRef idx="minor">
+            <a:schemeClr val="dk1"/>
+          </a:fontRef>
+        </p:style>
+        <p:txBody>
+          <a:bodyPr rtlCol="0" anchor="ctr"/>
+          <a:lstStyle/>
+          <a:p>
+            <a:pPr algn="ctr"/>
+            <a:endParaRPr lang="en-US"/>
+          </a:p>
+        </p:txBody>
+      </p:sp>
+      <p:sp>
+        <p:nvSpPr>
           <p:cNvPr id="2" name="Title 1">
             <a:extLst>
               <a:ext uri="{FF2B5EF4-FFF2-40B4-BE49-F238E27FC236}">
@@ -7105,8 +4017,8 @@
         </p:nvSpPr>
         <p:spPr>
           <a:xfrm>
-            <a:off x="838199" y="1819072"/>
-            <a:ext cx="10494523" cy="1077218"/>
+            <a:off x="6721813" y="1971472"/>
+            <a:ext cx="4482830" cy="4355038"/>
           </a:xfrm>
           <a:prstGeom prst="rect">
             <a:avLst/>
@@ -7126,42 +4038,311 @@
             </a:pPr>
             <a:r>
               <a:rPr lang="en-US" sz="3200" dirty="0"/>
-              <a:t>To increase weekend lift ticket price, the operational department can increase</a:t>
-            </a:r>
-          </a:p>
-        </p:txBody>
-      </p:sp>
-      <p:graphicFrame>
-        <p:nvGraphicFramePr>
-          <p:cNvPr id="21" name="Content Placeholder 2">
-            <a:extLst>
-              <a:ext uri="{FF2B5EF4-FFF2-40B4-BE49-F238E27FC236}">
-                <a16:creationId xmlns:a16="http://schemas.microsoft.com/office/drawing/2014/main" id="{7CECD4BA-78CD-484F-BF90-8887F3CE582B}"/>
-              </a:ext>
-            </a:extLst>
-          </p:cNvPr>
-          <p:cNvGraphicFramePr>
-            <a:graphicFrameLocks noGrp="1"/>
-          </p:cNvGraphicFramePr>
-          <p:nvPr>
-            <p:ph idx="1"/>
-            <p:extLst>
-              <p:ext uri="{D42A27DB-BD31-4B8C-83A1-F6EECF244321}">
-                <p14:modId xmlns:p14="http://schemas.microsoft.com/office/powerpoint/2010/main" val="3988558426"/>
-              </p:ext>
-            </p:extLst>
-          </p:nvPr>
-        </p:nvGraphicFramePr>
-        <p:xfrm>
-          <a:off x="391379" y="3429000"/>
-          <a:ext cx="11407487" cy="2747963"/>
-        </p:xfrm>
-        <a:graphic>
-          <a:graphicData uri="http://schemas.openxmlformats.org/drawingml/2006/diagram">
-            <dgm:relIds xmlns:dgm="http://schemas.openxmlformats.org/drawingml/2006/diagram" xmlns:r="http://schemas.openxmlformats.org/officeDocument/2006/relationships" r:dm="rId2" r:lo="rId3" r:qs="rId4" r:cs="rId5"/>
-          </a:graphicData>
-        </a:graphic>
-      </p:graphicFrame>
+              <a:t>Then</a:t>
+            </a:r>
+          </a:p>
+          <a:p>
+            <a:pPr marL="457200" indent="-457200">
+              <a:spcAft>
+                <a:spcPts val="600"/>
+              </a:spcAft>
+              <a:buFont typeface="Arial" panose="020B0604020202020204" pitchFamily="34" charset="0"/>
+              <a:buChar char="•"/>
+            </a:pPr>
+            <a:r>
+              <a:rPr lang="en-US" sz="2000" dirty="0"/>
+              <a:t>The expected cost of adult weekend chairlift per ticket will increase ~$20 dollars</a:t>
+            </a:r>
+          </a:p>
+          <a:p>
+            <a:pPr marL="457200" indent="-457200">
+              <a:spcAft>
+                <a:spcPts val="600"/>
+              </a:spcAft>
+              <a:buFont typeface="Arial" panose="020B0604020202020204" pitchFamily="34" charset="0"/>
+              <a:buChar char="•"/>
+            </a:pPr>
+            <a:endParaRPr lang="en-US" sz="2000" dirty="0"/>
+          </a:p>
+          <a:p>
+            <a:pPr marL="457200" indent="-457200">
+              <a:spcAft>
+                <a:spcPts val="600"/>
+              </a:spcAft>
+              <a:buFont typeface="Arial" panose="020B0604020202020204" pitchFamily="34" charset="0"/>
+              <a:buChar char="•"/>
+            </a:pPr>
+            <a:r>
+              <a:rPr lang="en-US" sz="2000" dirty="0"/>
+              <a:t>The expected cost of adult weekend chairlift per ticket will increase ~$6 dollars</a:t>
+            </a:r>
+          </a:p>
+          <a:p>
+            <a:pPr marL="457200" indent="-457200">
+              <a:spcAft>
+                <a:spcPts val="600"/>
+              </a:spcAft>
+              <a:buFont typeface="Arial" panose="020B0604020202020204" pitchFamily="34" charset="0"/>
+              <a:buChar char="•"/>
+            </a:pPr>
+            <a:endParaRPr lang="en-US" sz="2000" dirty="0"/>
+          </a:p>
+          <a:p>
+            <a:pPr marL="457200" indent="-457200">
+              <a:spcAft>
+                <a:spcPts val="600"/>
+              </a:spcAft>
+              <a:buFont typeface="Arial" panose="020B0604020202020204" pitchFamily="34" charset="0"/>
+              <a:buChar char="•"/>
+            </a:pPr>
+            <a:r>
+              <a:rPr lang="en-US" sz="2000" dirty="0"/>
+              <a:t>The expected cost of adult weekend chairlift per ticket will increase ~$10 dollars </a:t>
+            </a:r>
+          </a:p>
+        </p:txBody>
+      </p:sp>
+      <p:sp>
+        <p:nvSpPr>
+          <p:cNvPr id="14" name="TextBox 13">
+            <a:extLst>
+              <a:ext uri="{FF2B5EF4-FFF2-40B4-BE49-F238E27FC236}">
+                <a16:creationId xmlns:a16="http://schemas.microsoft.com/office/drawing/2014/main" id="{22E527A1-BE0C-45F9-B960-147E83B93881}"/>
+              </a:ext>
+            </a:extLst>
+          </p:cNvPr>
+          <p:cNvSpPr txBox="1"/>
+          <p:nvPr/>
+        </p:nvSpPr>
+        <p:spPr>
+          <a:xfrm>
+            <a:off x="990600" y="1971472"/>
+            <a:ext cx="3668950" cy="4431983"/>
+          </a:xfrm>
+          <a:prstGeom prst="rect">
+            <a:avLst/>
+          </a:prstGeom>
+          <a:noFill/>
+        </p:spPr>
+        <p:txBody>
+          <a:bodyPr wrap="square" rtlCol="0">
+            <a:spAutoFit/>
+          </a:bodyPr>
+          <a:lstStyle/>
+          <a:p>
+            <a:pPr>
+              <a:spcAft>
+                <a:spcPts val="600"/>
+              </a:spcAft>
+            </a:pPr>
+            <a:r>
+              <a:rPr lang="en-US" sz="3200" dirty="0"/>
+              <a:t>    If we</a:t>
+            </a:r>
+          </a:p>
+          <a:p>
+            <a:pPr marL="457200" indent="-457200">
+              <a:spcAft>
+                <a:spcPts val="600"/>
+              </a:spcAft>
+              <a:buFont typeface="Arial" panose="020B0604020202020204" pitchFamily="34" charset="0"/>
+              <a:buChar char="•"/>
+            </a:pPr>
+            <a:r>
+              <a:rPr lang="en-US" sz="2000" dirty="0"/>
+              <a:t>Increase average cost of adult weekday chairlift per ticket by $1</a:t>
+            </a:r>
+          </a:p>
+          <a:p>
+            <a:pPr marL="457200" indent="-457200">
+              <a:spcAft>
+                <a:spcPts val="600"/>
+              </a:spcAft>
+              <a:buFont typeface="Arial" panose="020B0604020202020204" pitchFamily="34" charset="0"/>
+              <a:buChar char="•"/>
+            </a:pPr>
+            <a:endParaRPr lang="en-US" sz="2000" dirty="0"/>
+          </a:p>
+          <a:p>
+            <a:pPr marL="457200" indent="-457200">
+              <a:spcAft>
+                <a:spcPts val="600"/>
+              </a:spcAft>
+              <a:buFont typeface="Arial" panose="020B0604020202020204" pitchFamily="34" charset="0"/>
+              <a:buChar char="•"/>
+            </a:pPr>
+            <a:r>
+              <a:rPr lang="en-US" sz="2000" dirty="0"/>
+              <a:t>Increase days open for last year by 10 days </a:t>
+            </a:r>
+          </a:p>
+          <a:p>
+            <a:pPr marL="457200" indent="-457200">
+              <a:spcAft>
+                <a:spcPts val="600"/>
+              </a:spcAft>
+              <a:buFont typeface="Arial" panose="020B0604020202020204" pitchFamily="34" charset="0"/>
+              <a:buChar char="•"/>
+            </a:pPr>
+            <a:endParaRPr lang="en-US" sz="2000" dirty="0"/>
+          </a:p>
+          <a:p>
+            <a:pPr marL="457200" indent="-457200">
+              <a:spcAft>
+                <a:spcPts val="600"/>
+              </a:spcAft>
+              <a:buFont typeface="Arial" panose="020B0604020202020204" pitchFamily="34" charset="0"/>
+              <a:buChar char="•"/>
+            </a:pPr>
+            <a:endParaRPr lang="en-US" sz="2000" dirty="0"/>
+          </a:p>
+          <a:p>
+            <a:pPr marL="457200" indent="-457200">
+              <a:spcAft>
+                <a:spcPts val="600"/>
+              </a:spcAft>
+              <a:buFont typeface="Arial" panose="020B0604020202020204" pitchFamily="34" charset="0"/>
+              <a:buChar char="•"/>
+            </a:pPr>
+            <a:r>
+              <a:rPr lang="en-US" sz="2000" dirty="0"/>
+              <a:t>Increase vertical change in elevation from the summit to the base by 10 foot</a:t>
+            </a:r>
+          </a:p>
+        </p:txBody>
+      </p:sp>
+      <p:sp>
+        <p:nvSpPr>
+          <p:cNvPr id="4" name="Arrow: Right 3">
+            <a:extLst>
+              <a:ext uri="{FF2B5EF4-FFF2-40B4-BE49-F238E27FC236}">
+                <a16:creationId xmlns:a16="http://schemas.microsoft.com/office/drawing/2014/main" id="{DDFD24E7-FD08-48BD-9B35-09D4EDF4F273}"/>
+              </a:ext>
+            </a:extLst>
+          </p:cNvPr>
+          <p:cNvSpPr/>
+          <p:nvPr/>
+        </p:nvSpPr>
+        <p:spPr>
+          <a:xfrm>
+            <a:off x="5021553" y="5530493"/>
+            <a:ext cx="1400783" cy="637162"/>
+          </a:xfrm>
+          <a:prstGeom prst="rightArrow">
+            <a:avLst/>
+          </a:prstGeom>
+        </p:spPr>
+        <p:style>
+          <a:lnRef idx="2">
+            <a:schemeClr val="dk1"/>
+          </a:lnRef>
+          <a:fillRef idx="1">
+            <a:schemeClr val="lt1"/>
+          </a:fillRef>
+          <a:effectRef idx="0">
+            <a:schemeClr val="dk1"/>
+          </a:effectRef>
+          <a:fontRef idx="minor">
+            <a:schemeClr val="dk1"/>
+          </a:fontRef>
+        </p:style>
+        <p:txBody>
+          <a:bodyPr rtlCol="0" anchor="ctr"/>
+          <a:lstStyle/>
+          <a:p>
+            <a:pPr algn="ctr"/>
+            <a:endParaRPr lang="en-US"/>
+          </a:p>
+        </p:txBody>
+      </p:sp>
+      <p:sp>
+        <p:nvSpPr>
+          <p:cNvPr id="16" name="Arrow: Right 15">
+            <a:extLst>
+              <a:ext uri="{FF2B5EF4-FFF2-40B4-BE49-F238E27FC236}">
+                <a16:creationId xmlns:a16="http://schemas.microsoft.com/office/drawing/2014/main" id="{8EDED9EC-1065-4D54-9565-014A899C8369}"/>
+              </a:ext>
+            </a:extLst>
+          </p:cNvPr>
+          <p:cNvSpPr/>
+          <p:nvPr/>
+        </p:nvSpPr>
+        <p:spPr>
+          <a:xfrm>
+            <a:off x="5021552" y="4129239"/>
+            <a:ext cx="1400783" cy="637162"/>
+          </a:xfrm>
+          <a:prstGeom prst="rightArrow">
+            <a:avLst/>
+          </a:prstGeom>
+        </p:spPr>
+        <p:style>
+          <a:lnRef idx="2">
+            <a:schemeClr val="dk1"/>
+          </a:lnRef>
+          <a:fillRef idx="1">
+            <a:schemeClr val="lt1"/>
+          </a:fillRef>
+          <a:effectRef idx="0">
+            <a:schemeClr val="dk1"/>
+          </a:effectRef>
+          <a:fontRef idx="minor">
+            <a:schemeClr val="dk1"/>
+          </a:fontRef>
+        </p:style>
+        <p:txBody>
+          <a:bodyPr rtlCol="0" anchor="ctr"/>
+          <a:lstStyle/>
+          <a:p>
+            <a:pPr algn="ctr"/>
+            <a:endParaRPr lang="en-US"/>
+          </a:p>
+        </p:txBody>
+      </p:sp>
+      <p:sp>
+        <p:nvSpPr>
+          <p:cNvPr id="17" name="Arrow: Right 16">
+            <a:extLst>
+              <a:ext uri="{FF2B5EF4-FFF2-40B4-BE49-F238E27FC236}">
+                <a16:creationId xmlns:a16="http://schemas.microsoft.com/office/drawing/2014/main" id="{9080698B-A476-4AFB-975C-893ED84ED263}"/>
+              </a:ext>
+            </a:extLst>
+          </p:cNvPr>
+          <p:cNvSpPr/>
+          <p:nvPr/>
+        </p:nvSpPr>
+        <p:spPr>
+          <a:xfrm>
+            <a:off x="4990290" y="2765129"/>
+            <a:ext cx="1400783" cy="637162"/>
+          </a:xfrm>
+          <a:prstGeom prst="rightArrow">
+            <a:avLst/>
+          </a:prstGeom>
+        </p:spPr>
+        <p:style>
+          <a:lnRef idx="2">
+            <a:schemeClr val="dk1"/>
+          </a:lnRef>
+          <a:fillRef idx="1">
+            <a:schemeClr val="lt1"/>
+          </a:fillRef>
+          <a:effectRef idx="0">
+            <a:schemeClr val="dk1"/>
+          </a:effectRef>
+          <a:fontRef idx="minor">
+            <a:schemeClr val="dk1"/>
+          </a:fontRef>
+        </p:style>
+        <p:txBody>
+          <a:bodyPr rtlCol="0" anchor="ctr"/>
+          <a:lstStyle/>
+          <a:p>
+            <a:pPr algn="ctr"/>
+            <a:endParaRPr lang="en-US"/>
+          </a:p>
+        </p:txBody>
+      </p:sp>
     </p:spTree>
     <p:extLst>
       <p:ext uri="{BB962C8B-B14F-4D97-AF65-F5344CB8AC3E}">
@@ -8383,8 +5564,8 @@
           </a:p>
         </p:txBody>
       </p:sp>
-      <mc:AlternateContent xmlns:mc="http://schemas.openxmlformats.org/markup-compatibility/2006">
-        <mc:Choice xmlns:a14="http://schemas.microsoft.com/office/drawing/2010/main" Requires="a14">
+      <mc:AlternateContent xmlns:mc="http://schemas.openxmlformats.org/markup-compatibility/2006" xmlns:a14="http://schemas.microsoft.com/office/drawing/2010/main">
+        <mc:Choice Requires="a14">
           <p:sp>
             <p:nvSpPr>
               <p:cNvPr id="3" name="Content Placeholder 2">
@@ -8519,7 +5700,7 @@
             </p:txBody>
           </p:sp>
         </mc:Choice>
-        <mc:Fallback>
+        <mc:Fallback xmlns="">
           <p:sp>
             <p:nvSpPr>
               <p:cNvPr id="3" name="Content Placeholder 2">
@@ -8653,12 +5834,12 @@
           <a:chExt cx="0" cy="0"/>
         </a:xfrm>
       </p:grpSpPr>
-      <p:sp useBgFill="1">
-        <p:nvSpPr>
-          <p:cNvPr id="23" name="Rectangle 22">
-            <a:extLst>
-              <a:ext uri="{FF2B5EF4-FFF2-40B4-BE49-F238E27FC236}">
-                <a16:creationId xmlns:a16="http://schemas.microsoft.com/office/drawing/2014/main" id="{0855A890-B60B-4670-9DC2-69DC05015AB3}"/>
+      <p:sp>
+        <p:nvSpPr>
+          <p:cNvPr id="20" name="Rectangle 15">
+            <a:extLst>
+              <a:ext uri="{FF2B5EF4-FFF2-40B4-BE49-F238E27FC236}">
+                <a16:creationId xmlns:a16="http://schemas.microsoft.com/office/drawing/2014/main" id="{6753252F-4873-4F63-801D-CC719279A7D5}"/>
               </a:ext>
               <a:ext uri="{C183D7F6-B498-43B3-948B-1728B52AA6E4}">
                 <adec:decorative xmlns:adec="http://schemas.microsoft.com/office/drawing/2017/decorative" val="1"/>
@@ -8679,11 +5860,14 @@
         <p:spPr>
           <a:xfrm>
             <a:off x="0" y="0"/>
-            <a:ext cx="12191999" cy="6857365"/>
+            <a:ext cx="12192000" cy="6858000"/>
           </a:xfrm>
           <a:prstGeom prst="rect">
             <a:avLst/>
           </a:prstGeom>
+          <a:solidFill>
+            <a:srgbClr val="FFFFFF"/>
+          </a:solidFill>
           <a:ln>
             <a:noFill/>
           </a:ln>
@@ -8715,45 +5899,10 @@
       </p:sp>
       <p:sp>
         <p:nvSpPr>
-          <p:cNvPr id="2" name="Title 1">
-            <a:extLst>
-              <a:ext uri="{FF2B5EF4-FFF2-40B4-BE49-F238E27FC236}">
-                <a16:creationId xmlns:a16="http://schemas.microsoft.com/office/drawing/2014/main" id="{E9D8070C-3883-41AE-AFD9-22D9FCC53CDC}"/>
-              </a:ext>
-            </a:extLst>
-          </p:cNvPr>
-          <p:cNvSpPr>
-            <a:spLocks noGrp="1"/>
-          </p:cNvSpPr>
-          <p:nvPr>
-            <p:ph type="title"/>
-          </p:nvPr>
-        </p:nvSpPr>
-        <p:spPr>
-          <a:xfrm>
-            <a:off x="454467" y="2023110"/>
-            <a:ext cx="2469624" cy="2846070"/>
-          </a:xfrm>
-        </p:spPr>
-        <p:txBody>
-          <a:bodyPr vert="horz" lIns="91440" tIns="45720" rIns="91440" bIns="45720" rtlCol="0" anchor="ctr">
-            <a:normAutofit/>
-          </a:bodyPr>
-          <a:lstStyle/>
-          <a:p>
-            <a:r>
-              <a:rPr lang="en-US" sz="3700"/>
-              <a:t>Modeling Results and Analysis</a:t>
-            </a:r>
-          </a:p>
-        </p:txBody>
-      </p:sp>
-      <p:sp>
-        <p:nvSpPr>
-          <p:cNvPr id="25" name="Rectangle 24">
-            <a:extLst>
-              <a:ext uri="{FF2B5EF4-FFF2-40B4-BE49-F238E27FC236}">
-                <a16:creationId xmlns:a16="http://schemas.microsoft.com/office/drawing/2014/main" id="{90F533E9-6690-41A8-A372-4C6C622D028D}"/>
+          <p:cNvPr id="21" name="Rectangle 17">
+            <a:extLst>
+              <a:ext uri="{FF2B5EF4-FFF2-40B4-BE49-F238E27FC236}">
+                <a16:creationId xmlns:a16="http://schemas.microsoft.com/office/drawing/2014/main" id="{047C8CCB-F95D-4249-92DD-651249D3535A}"/>
               </a:ext>
               <a:ext uri="{C183D7F6-B498-43B3-948B-1728B52AA6E4}">
                 <adec:decorative xmlns:adec="http://schemas.microsoft.com/office/drawing/2017/decorative" val="1"/>
@@ -8772,15 +5921,15 @@
           </p:nvPr>
         </p:nvSpPr>
         <p:spPr>
-          <a:xfrm rot="5400000">
-            <a:off x="2522480" y="3392097"/>
-            <a:ext cx="1719072" cy="152382"/>
+          <a:xfrm>
+            <a:off x="0" y="0"/>
+            <a:ext cx="2013557" cy="6858000"/>
           </a:xfrm>
           <a:prstGeom prst="rect">
             <a:avLst/>
           </a:prstGeom>
           <a:solidFill>
-            <a:schemeClr val="accent4"/>
+            <a:srgbClr val="7F7F7F"/>
           </a:solidFill>
           <a:ln>
             <a:noFill/>
@@ -8813,143 +5962,64 @@
       </p:sp>
       <p:sp>
         <p:nvSpPr>
-          <p:cNvPr id="27" name="Rectangle 26">
-            <a:extLst>
-              <a:ext uri="{FF2B5EF4-FFF2-40B4-BE49-F238E27FC236}">
-                <a16:creationId xmlns:a16="http://schemas.microsoft.com/office/drawing/2014/main" id="{99413ED5-9ED4-4772-BCE4-2BCAE6B12E35}"/>
-              </a:ext>
-              <a:ext uri="{C183D7F6-B498-43B3-948B-1728B52AA6E4}">
-                <adec:decorative xmlns:adec="http://schemas.microsoft.com/office/drawing/2017/decorative" val="1"/>
-              </a:ext>
-            </a:extLst>
-          </p:cNvPr>
-          <p:cNvSpPr>
-            <a:spLocks noGrp="1" noRot="1" noChangeAspect="1" noMove="1" noResize="1" noEditPoints="1" noAdjustHandles="1" noChangeArrowheads="1" noChangeShapeType="1" noTextEdit="1"/>
-          </p:cNvSpPr>
-          <p:nvPr>
-            <p:extLst>
-              <p:ext uri="{386F3935-93C4-4BCD-93E2-E3B085C9AB24}">
-                <p16:designElem xmlns:p16="http://schemas.microsoft.com/office/powerpoint/2015/main" val="1"/>
-              </p:ext>
-            </p:extLst>
+          <p:cNvPr id="2" name="Title 1">
+            <a:extLst>
+              <a:ext uri="{FF2B5EF4-FFF2-40B4-BE49-F238E27FC236}">
+                <a16:creationId xmlns:a16="http://schemas.microsoft.com/office/drawing/2014/main" id="{E9D8070C-3883-41AE-AFD9-22D9FCC53CDC}"/>
+              </a:ext>
+            </a:extLst>
+          </p:cNvPr>
+          <p:cNvSpPr>
+            <a:spLocks noGrp="1"/>
+          </p:cNvSpPr>
+          <p:nvPr>
+            <p:ph type="title"/>
           </p:nvPr>
         </p:nvSpPr>
         <p:spPr>
-          <a:xfrm rot="16200000">
-            <a:off x="7042549" y="-827233"/>
-            <a:ext cx="1715478" cy="8583421"/>
-          </a:xfrm>
-          <a:prstGeom prst="rect">
+          <a:xfrm>
+            <a:off x="640080" y="2074363"/>
+            <a:ext cx="2752354" cy="2709275"/>
+          </a:xfrm>
+          <a:prstGeom prst="ellipse">
             <a:avLst/>
           </a:prstGeom>
           <a:solidFill>
-            <a:schemeClr val="accent4"/>
+            <a:srgbClr val="262626"/>
           </a:solidFill>
-          <a:ln>
-            <a:noFill/>
+          <a:ln w="174625" cmpd="thinThick">
+            <a:solidFill>
+              <a:srgbClr val="262626"/>
+            </a:solidFill>
           </a:ln>
         </p:spPr>
-        <p:style>
-          <a:lnRef idx="2">
-            <a:schemeClr val="accent1">
-              <a:shade val="50000"/>
-            </a:schemeClr>
-          </a:lnRef>
-          <a:fillRef idx="1">
-            <a:schemeClr val="accent1"/>
-          </a:fillRef>
-          <a:effectRef idx="0">
-            <a:schemeClr val="accent1"/>
-          </a:effectRef>
-          <a:fontRef idx="minor">
-            <a:schemeClr val="lt1"/>
-          </a:fontRef>
-        </p:style>
-        <p:txBody>
-          <a:bodyPr rtlCol="0" anchor="ctr"/>
+        <p:txBody>
+          <a:bodyPr vert="horz" lIns="91440" tIns="45720" rIns="91440" bIns="45720" rtlCol="0" anchor="ctr">
+            <a:normAutofit/>
+          </a:bodyPr>
           <a:lstStyle/>
           <a:p>
             <a:pPr algn="ctr"/>
-            <a:endParaRPr lang="en-US" dirty="0"/>
-          </a:p>
-        </p:txBody>
-      </p:sp>
-      <p:sp>
-        <p:nvSpPr>
-          <p:cNvPr id="29" name="Rectangle 28">
-            <a:extLst>
-              <a:ext uri="{FF2B5EF4-FFF2-40B4-BE49-F238E27FC236}">
-                <a16:creationId xmlns:a16="http://schemas.microsoft.com/office/drawing/2014/main" id="{04357C93-F0CB-4A1C-8F77-4E9063789819}"/>
-              </a:ext>
-              <a:ext uri="{C183D7F6-B498-43B3-948B-1728B52AA6E4}">
-                <adec:decorative xmlns:adec="http://schemas.microsoft.com/office/drawing/2017/decorative" val="1"/>
-              </a:ext>
-            </a:extLst>
-          </p:cNvPr>
-          <p:cNvSpPr>
-            <a:spLocks noGrp="1" noRot="1" noChangeAspect="1" noMove="1" noResize="1" noEditPoints="1" noAdjustHandles="1" noChangeArrowheads="1" noChangeShapeType="1" noTextEdit="1"/>
-          </p:cNvSpPr>
-          <p:nvPr>
-            <p:extLst>
-              <p:ext uri="{386F3935-93C4-4BCD-93E2-E3B085C9AB24}">
-                <p16:designElem xmlns:p16="http://schemas.microsoft.com/office/powerpoint/2015/main" val="1"/>
-              </p:ext>
-            </p:extLst>
-          </p:nvPr>
-        </p:nvSpPr>
-        <p:spPr>
-          <a:xfrm>
-            <a:off x="3807283" y="664308"/>
-            <a:ext cx="8082632" cy="5600340"/>
-          </a:xfrm>
-          <a:prstGeom prst="rect">
-            <a:avLst/>
-          </a:prstGeom>
-          <a:solidFill>
-            <a:schemeClr val="bg1"/>
-          </a:solidFill>
-          <a:ln>
-            <a:noFill/>
-          </a:ln>
-          <a:effectLst>
-            <a:outerShdw blurRad="139700" dist="127000" dir="5400000" algn="t" rotWithShape="0">
-              <a:prstClr val="black">
-                <a:alpha val="15000"/>
-              </a:prstClr>
-            </a:outerShdw>
-          </a:effectLst>
-        </p:spPr>
-        <p:style>
-          <a:lnRef idx="2">
-            <a:schemeClr val="accent1">
-              <a:shade val="50000"/>
-            </a:schemeClr>
-          </a:lnRef>
-          <a:fillRef idx="1">
-            <a:schemeClr val="accent1"/>
-          </a:fillRef>
-          <a:effectRef idx="0">
-            <a:schemeClr val="accent1"/>
-          </a:effectRef>
-          <a:fontRef idx="minor">
-            <a:schemeClr val="lt1"/>
-          </a:fontRef>
-        </p:style>
-        <p:txBody>
-          <a:bodyPr rtlCol="0" anchor="ctr"/>
-          <a:lstStyle/>
-          <a:p>
-            <a:pPr algn="ctr"/>
-            <a:endParaRPr lang="en-US"/>
+            <a:r>
+              <a:rPr lang="en-US" sz="2600" kern="1200">
+                <a:solidFill>
+                  <a:srgbClr val="FFFFFF"/>
+                </a:solidFill>
+                <a:latin typeface="+mj-lt"/>
+                <a:ea typeface="+mj-ea"/>
+                <a:cs typeface="+mj-cs"/>
+              </a:rPr>
+              <a:t>Modeling Results and Analysis</a:t>
+            </a:r>
           </a:p>
         </p:txBody>
       </p:sp>
       <p:pic>
         <p:nvPicPr>
-          <p:cNvPr id="6" name="Picture 5">
-            <a:extLst>
-              <a:ext uri="{FF2B5EF4-FFF2-40B4-BE49-F238E27FC236}">
-                <a16:creationId xmlns:a16="http://schemas.microsoft.com/office/drawing/2014/main" id="{AF191A7B-0F18-470A-95C2-56B51B6BA7E3}"/>
+          <p:cNvPr id="4" name="Picture 3">
+            <a:extLst>
+              <a:ext uri="{FF2B5EF4-FFF2-40B4-BE49-F238E27FC236}">
+                <a16:creationId xmlns:a16="http://schemas.microsoft.com/office/drawing/2014/main" id="{52999BD9-D07A-4DBA-A21E-8804ABF628FC}"/>
               </a:ext>
             </a:extLst>
           </p:cNvPr>
@@ -8958,27 +6028,173 @@
           </p:cNvPicPr>
           <p:nvPr/>
         </p:nvPicPr>
-        <p:blipFill rotWithShape="1">
+        <p:blipFill>
           <a:blip r:embed="rId2"/>
-          <a:srcRect t="2781" b="1688"/>
-          <a:stretch/>
+          <a:stretch>
+            <a:fillRect/>
+          </a:stretch>
         </p:blipFill>
         <p:spPr>
           <a:xfrm>
-            <a:off x="4058494" y="883463"/>
-            <a:ext cx="3694834" cy="2523744"/>
+            <a:off x="4038600" y="1158485"/>
+            <a:ext cx="7188199" cy="4537640"/>
           </a:xfrm>
           <a:prstGeom prst="rect">
             <a:avLst/>
           </a:prstGeom>
         </p:spPr>
       </p:pic>
+      <p:sp>
+        <p:nvSpPr>
+          <p:cNvPr id="5" name="Rectangle 4">
+            <a:extLst>
+              <a:ext uri="{FF2B5EF4-FFF2-40B4-BE49-F238E27FC236}">
+                <a16:creationId xmlns:a16="http://schemas.microsoft.com/office/drawing/2014/main" id="{C726C6B1-1B4C-4025-82D3-4A7D0E58A0F3}"/>
+              </a:ext>
+            </a:extLst>
+          </p:cNvPr>
+          <p:cNvSpPr/>
+          <p:nvPr/>
+        </p:nvSpPr>
+        <p:spPr>
+          <a:xfrm>
+            <a:off x="5110716" y="270931"/>
+            <a:ext cx="6596652" cy="523220"/>
+          </a:xfrm>
+          <a:prstGeom prst="rect">
+            <a:avLst/>
+          </a:prstGeom>
+        </p:spPr>
+        <p:txBody>
+          <a:bodyPr wrap="square">
+            <a:spAutoFit/>
+          </a:bodyPr>
+          <a:lstStyle/>
+          <a:p>
+            <a:pPr algn="ctr">
+              <a:spcAft>
+                <a:spcPts val="600"/>
+              </a:spcAft>
+            </a:pPr>
+            <a:r>
+              <a:rPr lang="en-US" sz="2800"/>
+              <a:t>Regressed Coefficients and Intercept</a:t>
+            </a:r>
+          </a:p>
+        </p:txBody>
+      </p:sp>
+    </p:spTree>
+    <p:extLst>
+      <p:ext uri="{BB962C8B-B14F-4D97-AF65-F5344CB8AC3E}">
+        <p14:creationId xmlns:p14="http://schemas.microsoft.com/office/powerpoint/2010/main" val="22662613"/>
+      </p:ext>
+    </p:extLst>
+  </p:cSld>
+  <p:clrMapOvr>
+    <a:masterClrMapping/>
+  </p:clrMapOvr>
+</p:sld>
+</file>
+
+<file path=ppt/slides/slide7.xml><?xml version="1.0" encoding="utf-8"?>
+<p:sld xmlns:a="http://schemas.openxmlformats.org/drawingml/2006/main" xmlns:r="http://schemas.openxmlformats.org/officeDocument/2006/relationships" xmlns:p="http://schemas.openxmlformats.org/presentationml/2006/main">
+  <p:cSld>
+    <p:bg>
+      <p:bgPr>
+        <a:solidFill>
+          <a:schemeClr val="bg1"/>
+        </a:solidFill>
+        <a:effectLst/>
+      </p:bgPr>
+    </p:bg>
+    <p:spTree>
+      <p:nvGrpSpPr>
+        <p:cNvPr id="1" name=""/>
+        <p:cNvGrpSpPr/>
+        <p:nvPr/>
+      </p:nvGrpSpPr>
+      <p:grpSpPr>
+        <a:xfrm>
+          <a:off x="0" y="0"/>
+          <a:ext cx="0" cy="0"/>
+          <a:chOff x="0" y="0"/>
+          <a:chExt cx="0" cy="0"/>
+        </a:xfrm>
+      </p:grpSpPr>
+      <p:sp>
+        <p:nvSpPr>
+          <p:cNvPr id="2" name="Title 1">
+            <a:extLst>
+              <a:ext uri="{FF2B5EF4-FFF2-40B4-BE49-F238E27FC236}">
+                <a16:creationId xmlns:a16="http://schemas.microsoft.com/office/drawing/2014/main" id="{E9D8070C-3883-41AE-AFD9-22D9FCC53CDC}"/>
+              </a:ext>
+            </a:extLst>
+          </p:cNvPr>
+          <p:cNvSpPr>
+            <a:spLocks noGrp="1"/>
+          </p:cNvSpPr>
+          <p:nvPr>
+            <p:ph type="title"/>
+          </p:nvPr>
+        </p:nvSpPr>
+        <p:spPr>
+          <a:xfrm>
+            <a:off x="642996" y="4571216"/>
+            <a:ext cx="10906008" cy="1115415"/>
+          </a:xfrm>
+        </p:spPr>
+        <p:txBody>
+          <a:bodyPr vert="horz" lIns="91440" tIns="45720" rIns="91440" bIns="45720" rtlCol="0" anchor="b">
+            <a:normAutofit/>
+          </a:bodyPr>
+          <a:lstStyle/>
+          <a:p>
+            <a:pPr algn="ctr"/>
+            <a:r>
+              <a:rPr lang="en-US" sz="6000"/>
+              <a:t>Modeling Results and Analysis</a:t>
+            </a:r>
+          </a:p>
+        </p:txBody>
+      </p:sp>
       <p:pic>
         <p:nvPicPr>
-          <p:cNvPr id="7" name="Picture 6">
-            <a:extLst>
-              <a:ext uri="{FF2B5EF4-FFF2-40B4-BE49-F238E27FC236}">
-                <a16:creationId xmlns:a16="http://schemas.microsoft.com/office/drawing/2014/main" id="{1E822AEE-C3C5-4CE0-BDA9-E7908B16EE5C}"/>
+          <p:cNvPr id="9" name="Content Placeholder 8">
+            <a:extLst>
+              <a:ext uri="{FF2B5EF4-FFF2-40B4-BE49-F238E27FC236}">
+                <a16:creationId xmlns:a16="http://schemas.microsoft.com/office/drawing/2014/main" id="{06B9FFD8-608B-4BE3-B80A-2B94C16C832E}"/>
+              </a:ext>
+            </a:extLst>
+          </p:cNvPr>
+          <p:cNvPicPr>
+            <a:picLocks noGrp="1" noChangeAspect="1"/>
+          </p:cNvPicPr>
+          <p:nvPr>
+            <p:ph idx="1"/>
+          </p:nvPr>
+        </p:nvPicPr>
+        <p:blipFill>
+          <a:blip r:embed="rId2"/>
+          <a:stretch>
+            <a:fillRect/>
+          </a:stretch>
+        </p:blipFill>
+        <p:spPr>
+          <a:xfrm>
+            <a:off x="481946" y="1102987"/>
+            <a:ext cx="3529109" cy="2522088"/>
+          </a:xfrm>
+          <a:prstGeom prst="rect">
+            <a:avLst/>
+          </a:prstGeom>
+        </p:spPr>
+      </p:pic>
+      <p:pic>
+        <p:nvPicPr>
+          <p:cNvPr id="6" name="Picture 5">
+            <a:extLst>
+              <a:ext uri="{FF2B5EF4-FFF2-40B4-BE49-F238E27FC236}">
+                <a16:creationId xmlns:a16="http://schemas.microsoft.com/office/drawing/2014/main" id="{AF191A7B-0F18-470A-95C2-56B51B6BA7E3}"/>
               </a:ext>
             </a:extLst>
           </p:cNvPr>
@@ -8989,13 +6205,13 @@
         </p:nvPicPr>
         <p:blipFill rotWithShape="1">
           <a:blip r:embed="rId3"/>
-          <a:srcRect b="3734"/>
+          <a:srcRect t="2781" b="1688"/>
           <a:stretch/>
         </p:blipFill>
         <p:spPr>
           <a:xfrm>
-            <a:off x="7933010" y="883463"/>
-            <a:ext cx="3692444" cy="2523744"/>
+            <a:off x="4332788" y="1159675"/>
+            <a:ext cx="3526424" cy="2408711"/>
           </a:xfrm>
           <a:prstGeom prst="rect">
             <a:avLst/>
@@ -9027,8 +6243,8 @@
         </p:blipFill>
         <p:spPr bwMode="auto">
           <a:xfrm>
-            <a:off x="4058489" y="3564974"/>
-            <a:ext cx="3694843" cy="2523744"/>
+            <a:off x="8153400" y="1150271"/>
+            <a:ext cx="3553968" cy="2427519"/>
           </a:xfrm>
           <a:prstGeom prst="rect">
             <a:avLst/>
@@ -9036,37 +6252,58 @@
           <a:noFill/>
         </p:spPr>
       </p:pic>
-      <p:pic>
-        <p:nvPicPr>
-          <p:cNvPr id="4" name="Content Placeholder 3">
-            <a:extLst>
-              <a:ext uri="{FF2B5EF4-FFF2-40B4-BE49-F238E27FC236}">
-                <a16:creationId xmlns:a16="http://schemas.microsoft.com/office/drawing/2014/main" id="{ED1D6075-F135-4C0F-9084-D4E1E3163C88}"/>
-              </a:ext>
-            </a:extLst>
-          </p:cNvPr>
-          <p:cNvPicPr>
-            <a:picLocks noGrp="1" noChangeAspect="1"/>
-          </p:cNvPicPr>
-          <p:nvPr>
-            <p:ph idx="1"/>
-          </p:nvPr>
-        </p:nvPicPr>
-        <p:blipFill rotWithShape="1">
-          <a:blip r:embed="rId5"/>
-          <a:srcRect t="2358"/>
-          <a:stretch/>
-        </p:blipFill>
+      <p:cxnSp>
+        <p:nvCxnSpPr>
+          <p:cNvPr id="47" name="Straight Connector 46">
+            <a:extLst>
+              <a:ext uri="{FF2B5EF4-FFF2-40B4-BE49-F238E27FC236}">
+                <a16:creationId xmlns:a16="http://schemas.microsoft.com/office/drawing/2014/main" id="{8F880EF2-DF79-4D9D-8F11-E91D48C79741}"/>
+              </a:ext>
+              <a:ext uri="{C183D7F6-B498-43B3-948B-1728B52AA6E4}">
+                <adec:decorative xmlns:adec="http://schemas.microsoft.com/office/drawing/2017/decorative" val="1"/>
+              </a:ext>
+            </a:extLst>
+          </p:cNvPr>
+          <p:cNvCxnSpPr>
+            <a:cxnSpLocks noGrp="1" noRot="1" noChangeAspect="1" noMove="1" noResize="1" noEditPoints="1" noAdjustHandles="1" noChangeArrowheads="1" noChangeShapeType="1"/>
+          </p:cNvCxnSpPr>
+          <p:nvPr>
+            <p:extLst>
+              <p:ext uri="{386F3935-93C4-4BCD-93E2-E3B085C9AB24}">
+                <p16:designElem xmlns:p16="http://schemas.microsoft.com/office/powerpoint/2015/main" val="1"/>
+              </p:ext>
+            </p:extLst>
+          </p:nvPr>
+        </p:nvCxnSpPr>
         <p:spPr>
           <a:xfrm>
-            <a:off x="7938451" y="3564973"/>
-            <a:ext cx="3692413" cy="2523744"/>
-          </a:xfrm>
-          <a:prstGeom prst="rect">
+            <a:off x="1524000" y="5778706"/>
+            <a:ext cx="9144000" cy="0"/>
+          </a:xfrm>
+          <a:prstGeom prst="line">
             <a:avLst/>
           </a:prstGeom>
-        </p:spPr>
-      </p:pic>
+          <a:ln w="19050">
+            <a:solidFill>
+              <a:srgbClr val="FDF529"/>
+            </a:solidFill>
+          </a:ln>
+        </p:spPr>
+        <p:style>
+          <a:lnRef idx="1">
+            <a:schemeClr val="accent1"/>
+          </a:lnRef>
+          <a:fillRef idx="0">
+            <a:schemeClr val="accent1"/>
+          </a:fillRef>
+          <a:effectRef idx="0">
+            <a:schemeClr val="accent1"/>
+          </a:effectRef>
+          <a:fontRef idx="minor">
+            <a:schemeClr val="tx1"/>
+          </a:fontRef>
+        </p:style>
+      </p:cxnSp>
     </p:spTree>
     <p:extLst>
       <p:ext uri="{BB962C8B-B14F-4D97-AF65-F5344CB8AC3E}">
@@ -9080,7 +6317,7 @@
 </p:sld>
 </file>
 
-<file path=ppt/slides/slide7.xml><?xml version="1.0" encoding="utf-8"?>
+<file path=ppt/slides/slide8.xml><?xml version="1.0" encoding="utf-8"?>
 <p:sld xmlns:a="http://schemas.openxmlformats.org/drawingml/2006/main" xmlns:r="http://schemas.openxmlformats.org/officeDocument/2006/relationships" xmlns:p="http://schemas.openxmlformats.org/presentationml/2006/main">
   <p:cSld>
     <p:bg>
